--- a/docs/preRobotArm.pptx
+++ b/docs/preRobotArm.pptx
@@ -5,13 +5,14 @@
     <p:sldMasterId id="2147483648" r:id="rId1"/>
   </p:sldMasterIdLst>
   <p:notesMasterIdLst>
-    <p:notesMasterId r:id="rId6"/>
+    <p:notesMasterId r:id="rId7"/>
   </p:notesMasterIdLst>
   <p:sldIdLst>
     <p:sldId id="256" r:id="rId2"/>
     <p:sldId id="258" r:id="rId3"/>
     <p:sldId id="257" r:id="rId4"/>
-    <p:sldId id="259" r:id="rId5"/>
+    <p:sldId id="260" r:id="rId5"/>
+    <p:sldId id="259" r:id="rId6"/>
   </p:sldIdLst>
   <p:sldSz cx="12192000" cy="6858000"/>
   <p:notesSz cx="6858000" cy="9144000"/>
@@ -118,6 +119,7 @@
             <p14:sldId id="256"/>
             <p14:sldId id="258"/>
             <p14:sldId id="257"/>
+            <p14:sldId id="260"/>
             <p14:sldId id="259"/>
           </p14:sldIdLst>
         </p14:section>
@@ -195,6 +197,60 @@
 </inkml:ink>
 </file>
 
+<file path=ppt/ink/ink3.xml><?xml version="1.0" encoding="utf-8"?>
+<inkml:ink xmlns:inkml="http://www.w3.org/2003/InkML">
+  <inkml:definitions>
+    <inkml:context xml:id="ctx0">
+      <inkml:inkSource xml:id="inkSrc0">
+        <inkml:traceFormat>
+          <inkml:channel name="X" type="integer" min="-2.14748E9" max="2.14748E9" units="cm"/>
+          <inkml:channel name="Y" type="integer" min="-2.14748E9" max="2.14748E9" units="cm"/>
+          <inkml:channel name="F" type="integer" max="32767" units="dev"/>
+        </inkml:traceFormat>
+        <inkml:channelProperties>
+          <inkml:channelProperty channel="X" name="resolution" value="1000" units="1/cm"/>
+          <inkml:channelProperty channel="Y" name="resolution" value="1000" units="1/cm"/>
+          <inkml:channelProperty channel="F" name="resolution" value="0" units="1/dev"/>
+        </inkml:channelProperties>
+      </inkml:inkSource>
+      <inkml:timestamp xml:id="ts0" timeString="2025-04-24T01:39:25.371"/>
+    </inkml:context>
+    <inkml:brush xml:id="br0">
+      <inkml:brushProperty name="width" value="0.035" units="cm"/>
+      <inkml:brushProperty name="height" value="0.035" units="cm"/>
+    </inkml:brush>
+  </inkml:definitions>
+  <inkml:trace contextRef="#ctx0" brushRef="#br0">0 1 24575,'0'0'-8191</inkml:trace>
+</inkml:ink>
+</file>
+
+<file path=ppt/ink/ink4.xml><?xml version="1.0" encoding="utf-8"?>
+<inkml:ink xmlns:inkml="http://www.w3.org/2003/InkML">
+  <inkml:definitions>
+    <inkml:context xml:id="ctx0">
+      <inkml:inkSource xml:id="inkSrc0">
+        <inkml:traceFormat>
+          <inkml:channel name="X" type="integer" min="-2.14748E9" max="2.14748E9" units="cm"/>
+          <inkml:channel name="Y" type="integer" min="-2.14748E9" max="2.14748E9" units="cm"/>
+          <inkml:channel name="F" type="integer" max="32767" units="dev"/>
+        </inkml:traceFormat>
+        <inkml:channelProperties>
+          <inkml:channelProperty channel="X" name="resolution" value="1000" units="1/cm"/>
+          <inkml:channelProperty channel="Y" name="resolution" value="1000" units="1/cm"/>
+          <inkml:channelProperty channel="F" name="resolution" value="0" units="1/dev"/>
+        </inkml:channelProperties>
+      </inkml:inkSource>
+      <inkml:timestamp xml:id="ts0" timeString="2025-04-24T01:39:26.375"/>
+    </inkml:context>
+    <inkml:brush xml:id="br0">
+      <inkml:brushProperty name="width" value="0.035" units="cm"/>
+      <inkml:brushProperty name="height" value="0.035" units="cm"/>
+    </inkml:brush>
+  </inkml:definitions>
+  <inkml:trace contextRef="#ctx0" brushRef="#br0">1 1 24575,'0'0'-8191</inkml:trace>
+</inkml:ink>
+</file>
+
 <file path=ppt/notesMasters/notesMaster1.xml><?xml version="1.0" encoding="utf-8"?>
 <p:notesMaster xmlns:a="http://schemas.openxmlformats.org/drawingml/2006/main" xmlns:r="http://schemas.openxmlformats.org/officeDocument/2006/relationships" xmlns:p="http://schemas.openxmlformats.org/presentationml/2006/main">
   <p:cSld>
@@ -277,7 +333,7 @@
           <a:p>
             <a:fld id="{9623E3DA-8969-4BC7-BE6C-5287D563F1B0}" type="datetimeFigureOut">
               <a:rPr lang="en-US" smtClean="0"/>
-              <a:t>4/24/2025</a:t>
+              <a:t>5/1/2025</a:t>
             </a:fld>
             <a:endParaRPr lang="en-US"/>
           </a:p>
@@ -628,6 +684,114 @@
 </p:notes>
 </file>
 
+<file path=ppt/notesSlides/notesSlide2.xml><?xml version="1.0" encoding="utf-8"?>
+<p:notes xmlns:a="http://schemas.openxmlformats.org/drawingml/2006/main" xmlns:r="http://schemas.openxmlformats.org/officeDocument/2006/relationships" xmlns:p="http://schemas.openxmlformats.org/presentationml/2006/main">
+  <p:cSld>
+    <p:spTree>
+      <p:nvGrpSpPr>
+        <p:cNvPr id="1" name="">
+          <a:extLst>
+            <a:ext uri="{FF2B5EF4-FFF2-40B4-BE49-F238E27FC236}">
+              <a16:creationId xmlns:a16="http://schemas.microsoft.com/office/drawing/2014/main" id="{449EC44B-EAC0-1D29-843F-A72A9A9269EE}"/>
+            </a:ext>
+          </a:extLst>
+        </p:cNvPr>
+        <p:cNvGrpSpPr/>
+        <p:nvPr/>
+      </p:nvGrpSpPr>
+      <p:grpSpPr>
+        <a:xfrm>
+          <a:off x="0" y="0"/>
+          <a:ext cx="0" cy="0"/>
+          <a:chOff x="0" y="0"/>
+          <a:chExt cx="0" cy="0"/>
+        </a:xfrm>
+      </p:grpSpPr>
+      <p:sp>
+        <p:nvSpPr>
+          <p:cNvPr id="2" name="Slide Image Placeholder 1">
+            <a:extLst>
+              <a:ext uri="{FF2B5EF4-FFF2-40B4-BE49-F238E27FC236}">
+                <a16:creationId xmlns:a16="http://schemas.microsoft.com/office/drawing/2014/main" id="{4D0CBC93-8A0C-8391-465E-5E36E9B44CFA}"/>
+              </a:ext>
+            </a:extLst>
+          </p:cNvPr>
+          <p:cNvSpPr>
+            <a:spLocks noGrp="1" noRot="1" noChangeAspect="1"/>
+          </p:cNvSpPr>
+          <p:nvPr>
+            <p:ph type="sldImg"/>
+          </p:nvPr>
+        </p:nvSpPr>
+        <p:spPr/>
+      </p:sp>
+      <p:sp>
+        <p:nvSpPr>
+          <p:cNvPr id="3" name="Notes Placeholder 2">
+            <a:extLst>
+              <a:ext uri="{FF2B5EF4-FFF2-40B4-BE49-F238E27FC236}">
+                <a16:creationId xmlns:a16="http://schemas.microsoft.com/office/drawing/2014/main" id="{4F8FF306-F5FA-C531-5129-28678CA40591}"/>
+              </a:ext>
+            </a:extLst>
+          </p:cNvPr>
+          <p:cNvSpPr>
+            <a:spLocks noGrp="1"/>
+          </p:cNvSpPr>
+          <p:nvPr>
+            <p:ph type="body" idx="1"/>
+          </p:nvPr>
+        </p:nvSpPr>
+        <p:spPr/>
+        <p:txBody>
+          <a:bodyPr/>
+          <a:lstStyle/>
+          <a:p>
+            <a:endParaRPr lang="en-US" dirty="0"/>
+          </a:p>
+        </p:txBody>
+      </p:sp>
+      <p:sp>
+        <p:nvSpPr>
+          <p:cNvPr id="4" name="Slide Number Placeholder 3">
+            <a:extLst>
+              <a:ext uri="{FF2B5EF4-FFF2-40B4-BE49-F238E27FC236}">
+                <a16:creationId xmlns:a16="http://schemas.microsoft.com/office/drawing/2014/main" id="{EC1DEEC4-884F-3664-01A4-0141E97427B1}"/>
+              </a:ext>
+            </a:extLst>
+          </p:cNvPr>
+          <p:cNvSpPr>
+            <a:spLocks noGrp="1"/>
+          </p:cNvSpPr>
+          <p:nvPr>
+            <p:ph type="sldNum" sz="quarter" idx="5"/>
+          </p:nvPr>
+        </p:nvSpPr>
+        <p:spPr/>
+        <p:txBody>
+          <a:bodyPr/>
+          <a:lstStyle/>
+          <a:p>
+            <a:fld id="{C388DEA1-21B0-4193-88B5-BAA7C5FCCA15}" type="slidenum">
+              <a:rPr lang="en-US" smtClean="0"/>
+              <a:t>4</a:t>
+            </a:fld>
+            <a:endParaRPr lang="en-US"/>
+          </a:p>
+        </p:txBody>
+      </p:sp>
+    </p:spTree>
+    <p:extLst>
+      <p:ext uri="{BB962C8B-B14F-4D97-AF65-F5344CB8AC3E}">
+        <p14:creationId xmlns:p14="http://schemas.microsoft.com/office/powerpoint/2010/main" val="1041681334"/>
+      </p:ext>
+    </p:extLst>
+  </p:cSld>
+  <p:clrMapOvr>
+    <a:masterClrMapping/>
+  </p:clrMapOvr>
+</p:notes>
+</file>
+
 <file path=ppt/slideLayouts/slideLayout1.xml><?xml version="1.0" encoding="utf-8"?>
 <p:sldLayout xmlns:a="http://schemas.openxmlformats.org/drawingml/2006/main" xmlns:r="http://schemas.openxmlformats.org/officeDocument/2006/relationships" xmlns:p="http://schemas.openxmlformats.org/presentationml/2006/main" type="title" preserve="1">
   <p:cSld name="Title Slide">
@@ -775,7 +939,7 @@
           <a:p>
             <a:fld id="{99CD18B7-96CA-499A-A6E0-59388D0E54F8}" type="datetimeFigureOut">
               <a:rPr lang="en-US" smtClean="0"/>
-              <a:t>4/24/2025</a:t>
+              <a:t>5/1/2025</a:t>
             </a:fld>
             <a:endParaRPr lang="en-US"/>
           </a:p>
@@ -973,7 +1137,7 @@
           <a:p>
             <a:fld id="{99CD18B7-96CA-499A-A6E0-59388D0E54F8}" type="datetimeFigureOut">
               <a:rPr lang="en-US" smtClean="0"/>
-              <a:t>4/24/2025</a:t>
+              <a:t>5/1/2025</a:t>
             </a:fld>
             <a:endParaRPr lang="en-US"/>
           </a:p>
@@ -1181,7 +1345,7 @@
           <a:p>
             <a:fld id="{99CD18B7-96CA-499A-A6E0-59388D0E54F8}" type="datetimeFigureOut">
               <a:rPr lang="en-US" smtClean="0"/>
-              <a:t>4/24/2025</a:t>
+              <a:t>5/1/2025</a:t>
             </a:fld>
             <a:endParaRPr lang="en-US"/>
           </a:p>
@@ -1379,7 +1543,7 @@
           <a:p>
             <a:fld id="{99CD18B7-96CA-499A-A6E0-59388D0E54F8}" type="datetimeFigureOut">
               <a:rPr lang="en-US" smtClean="0"/>
-              <a:t>4/24/2025</a:t>
+              <a:t>5/1/2025</a:t>
             </a:fld>
             <a:endParaRPr lang="en-US"/>
           </a:p>
@@ -1654,7 +1818,7 @@
           <a:p>
             <a:fld id="{99CD18B7-96CA-499A-A6E0-59388D0E54F8}" type="datetimeFigureOut">
               <a:rPr lang="en-US" smtClean="0"/>
-              <a:t>4/24/2025</a:t>
+              <a:t>5/1/2025</a:t>
             </a:fld>
             <a:endParaRPr lang="en-US"/>
           </a:p>
@@ -1919,7 +2083,7 @@
           <a:p>
             <a:fld id="{99CD18B7-96CA-499A-A6E0-59388D0E54F8}" type="datetimeFigureOut">
               <a:rPr lang="en-US" smtClean="0"/>
-              <a:t>4/24/2025</a:t>
+              <a:t>5/1/2025</a:t>
             </a:fld>
             <a:endParaRPr lang="en-US"/>
           </a:p>
@@ -2331,7 +2495,7 @@
           <a:p>
             <a:fld id="{99CD18B7-96CA-499A-A6E0-59388D0E54F8}" type="datetimeFigureOut">
               <a:rPr lang="en-US" smtClean="0"/>
-              <a:t>4/24/2025</a:t>
+              <a:t>5/1/2025</a:t>
             </a:fld>
             <a:endParaRPr lang="en-US"/>
           </a:p>
@@ -2472,7 +2636,7 @@
           <a:p>
             <a:fld id="{99CD18B7-96CA-499A-A6E0-59388D0E54F8}" type="datetimeFigureOut">
               <a:rPr lang="en-US" smtClean="0"/>
-              <a:t>4/24/2025</a:t>
+              <a:t>5/1/2025</a:t>
             </a:fld>
             <a:endParaRPr lang="en-US"/>
           </a:p>
@@ -2585,7 +2749,7 @@
           <a:p>
             <a:fld id="{99CD18B7-96CA-499A-A6E0-59388D0E54F8}" type="datetimeFigureOut">
               <a:rPr lang="en-US" smtClean="0"/>
-              <a:t>4/24/2025</a:t>
+              <a:t>5/1/2025</a:t>
             </a:fld>
             <a:endParaRPr lang="en-US"/>
           </a:p>
@@ -2896,7 +3060,7 @@
           <a:p>
             <a:fld id="{99CD18B7-96CA-499A-A6E0-59388D0E54F8}" type="datetimeFigureOut">
               <a:rPr lang="en-US" smtClean="0"/>
-              <a:t>4/24/2025</a:t>
+              <a:t>5/1/2025</a:t>
             </a:fld>
             <a:endParaRPr lang="en-US"/>
           </a:p>
@@ -3184,7 +3348,7 @@
           <a:p>
             <a:fld id="{99CD18B7-96CA-499A-A6E0-59388D0E54F8}" type="datetimeFigureOut">
               <a:rPr lang="en-US" smtClean="0"/>
-              <a:t>4/24/2025</a:t>
+              <a:t>5/1/2025</a:t>
             </a:fld>
             <a:endParaRPr lang="en-US"/>
           </a:p>
@@ -3425,7 +3589,7 @@
           <a:p>
             <a:fld id="{99CD18B7-96CA-499A-A6E0-59388D0E54F8}" type="datetimeFigureOut">
               <a:rPr lang="en-US" smtClean="0"/>
-              <a:t>4/24/2025</a:t>
+              <a:t>5/1/2025</a:t>
             </a:fld>
             <a:endParaRPr lang="en-US"/>
           </a:p>
@@ -4129,8 +4293,8 @@
             </a:prstGeom>
           </p:spPr>
         </p:pic>
-        <mc:AlternateContent xmlns:mc="http://schemas.openxmlformats.org/markup-compatibility/2006">
-          <mc:Choice xmlns:p14="http://schemas.microsoft.com/office/powerpoint/2010/main" Requires="p14">
+        <mc:AlternateContent xmlns:mc="http://schemas.openxmlformats.org/markup-compatibility/2006" xmlns:p14="http://schemas.microsoft.com/office/powerpoint/2010/main">
+          <mc:Choice Requires="p14">
             <p:contentPart p14:bwMode="auto" r:id="rId4">
               <p14:nvContentPartPr>
                 <p14:cNvPr id="7" name="Ink 6">
@@ -4149,7 +4313,7 @@
               </p14:xfrm>
             </p:contentPart>
           </mc:Choice>
-          <mc:Fallback>
+          <mc:Fallback xmlns="">
             <p:pic>
               <p:nvPicPr>
                 <p:cNvPr id="7" name="Ink 6">
@@ -4180,8 +4344,8 @@
             </p:pic>
           </mc:Fallback>
         </mc:AlternateContent>
-        <mc:AlternateContent xmlns:mc="http://schemas.openxmlformats.org/markup-compatibility/2006">
-          <mc:Choice xmlns:p14="http://schemas.microsoft.com/office/powerpoint/2010/main" Requires="p14">
+        <mc:AlternateContent xmlns:mc="http://schemas.openxmlformats.org/markup-compatibility/2006" xmlns:p14="http://schemas.microsoft.com/office/powerpoint/2010/main">
+          <mc:Choice Requires="p14">
             <p:contentPart p14:bwMode="auto" r:id="rId6">
               <p14:nvContentPartPr>
                 <p14:cNvPr id="8" name="Ink 7">
@@ -4200,7 +4364,7 @@
               </p14:xfrm>
             </p:contentPart>
           </mc:Choice>
-          <mc:Fallback>
+          <mc:Fallback xmlns="">
             <p:pic>
               <p:nvPicPr>
                 <p:cNvPr id="8" name="Ink 7">
@@ -6410,6 +6574,2390 @@
   <p:cSld>
     <p:spTree>
       <p:nvGrpSpPr>
+        <p:cNvPr id="1" name="">
+          <a:extLst>
+            <a:ext uri="{FF2B5EF4-FFF2-40B4-BE49-F238E27FC236}">
+              <a16:creationId xmlns:a16="http://schemas.microsoft.com/office/drawing/2014/main" id="{A604E458-6203-0C98-3166-D738B76C6409}"/>
+            </a:ext>
+          </a:extLst>
+        </p:cNvPr>
+        <p:cNvGrpSpPr/>
+        <p:nvPr/>
+      </p:nvGrpSpPr>
+      <p:grpSpPr>
+        <a:xfrm>
+          <a:off x="0" y="0"/>
+          <a:ext cx="0" cy="0"/>
+          <a:chOff x="0" y="0"/>
+          <a:chExt cx="0" cy="0"/>
+        </a:xfrm>
+      </p:grpSpPr>
+      <p:grpSp>
+        <p:nvGrpSpPr>
+          <p:cNvPr id="87" name="Group 86">
+            <a:extLst>
+              <a:ext uri="{FF2B5EF4-FFF2-40B4-BE49-F238E27FC236}">
+                <a16:creationId xmlns:a16="http://schemas.microsoft.com/office/drawing/2014/main" id="{E71226CC-8FF0-27D8-15C4-E51CA433803D}"/>
+              </a:ext>
+            </a:extLst>
+          </p:cNvPr>
+          <p:cNvGrpSpPr/>
+          <p:nvPr/>
+        </p:nvGrpSpPr>
+        <p:grpSpPr>
+          <a:xfrm>
+            <a:off x="1194668" y="348482"/>
+            <a:ext cx="8826954" cy="4305521"/>
+            <a:chOff x="1524868" y="456432"/>
+            <a:chExt cx="8826954" cy="4305521"/>
+          </a:xfrm>
+        </p:grpSpPr>
+        <p:pic>
+          <p:nvPicPr>
+            <p:cNvPr id="14" name="Picture 13">
+              <a:extLst>
+                <a:ext uri="{FF2B5EF4-FFF2-40B4-BE49-F238E27FC236}">
+                  <a16:creationId xmlns:a16="http://schemas.microsoft.com/office/drawing/2014/main" id="{841BD126-09C8-F1A9-1CA0-69032341855D}"/>
+                </a:ext>
+              </a:extLst>
+            </p:cNvPr>
+            <p:cNvPicPr>
+              <a:picLocks noChangeAspect="1"/>
+            </p:cNvPicPr>
+            <p:nvPr/>
+          </p:nvPicPr>
+          <p:blipFill>
+            <a:blip r:embed="rId3"/>
+            <a:stretch>
+              <a:fillRect/>
+            </a:stretch>
+          </p:blipFill>
+          <p:spPr>
+            <a:xfrm>
+              <a:off x="1524868" y="456432"/>
+              <a:ext cx="8826954" cy="4305521"/>
+            </a:xfrm>
+            <a:prstGeom prst="rect">
+              <a:avLst/>
+            </a:prstGeom>
+          </p:spPr>
+        </p:pic>
+        <mc:AlternateContent xmlns:mc="http://schemas.openxmlformats.org/markup-compatibility/2006" xmlns:p14="http://schemas.microsoft.com/office/powerpoint/2010/main">
+          <mc:Choice Requires="p14">
+            <p:contentPart p14:bwMode="auto" r:id="rId4">
+              <p14:nvContentPartPr>
+                <p14:cNvPr id="7" name="Ink 6">
+                  <a:extLst>
+                    <a:ext uri="{FF2B5EF4-FFF2-40B4-BE49-F238E27FC236}">
+                      <a16:creationId xmlns:a16="http://schemas.microsoft.com/office/drawing/2014/main" id="{15FDEDC6-3235-D7F1-2CBE-AEA2AF596B3E}"/>
+                    </a:ext>
+                  </a:extLst>
+                </p14:cNvPr>
+                <p14:cNvContentPartPr/>
+                <p14:nvPr/>
+              </p14:nvContentPartPr>
+              <p14:xfrm>
+                <a:off x="8775599" y="2129062"/>
+                <a:ext cx="360" cy="360"/>
+              </p14:xfrm>
+            </p:contentPart>
+          </mc:Choice>
+          <mc:Fallback xmlns="">
+            <p:pic>
+              <p:nvPicPr>
+                <p:cNvPr id="7" name="Ink 6">
+                  <a:extLst>
+                    <a:ext uri="{FF2B5EF4-FFF2-40B4-BE49-F238E27FC236}">
+                      <a16:creationId xmlns:a16="http://schemas.microsoft.com/office/drawing/2014/main" id="{11E50C66-CCAF-4003-ACC0-94BB050F82B4}"/>
+                    </a:ext>
+                  </a:extLst>
+                </p:cNvPr>
+                <p:cNvPicPr/>
+                <p:nvPr/>
+              </p:nvPicPr>
+              <p:blipFill>
+                <a:blip r:embed="rId5"/>
+                <a:stretch>
+                  <a:fillRect/>
+                </a:stretch>
+              </p:blipFill>
+              <p:spPr>
+                <a:xfrm>
+                  <a:off x="8769479" y="2122942"/>
+                  <a:ext cx="12600" cy="12600"/>
+                </a:xfrm>
+                <a:prstGeom prst="rect">
+                  <a:avLst/>
+                </a:prstGeom>
+              </p:spPr>
+            </p:pic>
+          </mc:Fallback>
+        </mc:AlternateContent>
+        <mc:AlternateContent xmlns:mc="http://schemas.openxmlformats.org/markup-compatibility/2006" xmlns:p14="http://schemas.microsoft.com/office/powerpoint/2010/main">
+          <mc:Choice Requires="p14">
+            <p:contentPart p14:bwMode="auto" r:id="rId6">
+              <p14:nvContentPartPr>
+                <p14:cNvPr id="8" name="Ink 7">
+                  <a:extLst>
+                    <a:ext uri="{FF2B5EF4-FFF2-40B4-BE49-F238E27FC236}">
+                      <a16:creationId xmlns:a16="http://schemas.microsoft.com/office/drawing/2014/main" id="{B5FB5782-50FD-E4EA-0F3D-295368C15166}"/>
+                    </a:ext>
+                  </a:extLst>
+                </p14:cNvPr>
+                <p14:cNvContentPartPr/>
+                <p14:nvPr/>
+              </p14:nvContentPartPr>
+              <p14:xfrm>
+                <a:off x="4062479" y="1558462"/>
+                <a:ext cx="360" cy="360"/>
+              </p14:xfrm>
+            </p:contentPart>
+          </mc:Choice>
+          <mc:Fallback xmlns="">
+            <p:pic>
+              <p:nvPicPr>
+                <p:cNvPr id="8" name="Ink 7">
+                  <a:extLst>
+                    <a:ext uri="{FF2B5EF4-FFF2-40B4-BE49-F238E27FC236}">
+                      <a16:creationId xmlns:a16="http://schemas.microsoft.com/office/drawing/2014/main" id="{BE4E774F-8DA8-1BF7-A104-AAF0112904E2}"/>
+                    </a:ext>
+                  </a:extLst>
+                </p:cNvPr>
+                <p:cNvPicPr/>
+                <p:nvPr/>
+              </p:nvPicPr>
+              <p:blipFill>
+                <a:blip r:embed="rId5"/>
+                <a:stretch>
+                  <a:fillRect/>
+                </a:stretch>
+              </p:blipFill>
+              <p:spPr>
+                <a:xfrm>
+                  <a:off x="4056359" y="1552342"/>
+                  <a:ext cx="12600" cy="12600"/>
+                </a:xfrm>
+                <a:prstGeom prst="rect">
+                  <a:avLst/>
+                </a:prstGeom>
+              </p:spPr>
+            </p:pic>
+          </mc:Fallback>
+        </mc:AlternateContent>
+        <p:grpSp>
+          <p:nvGrpSpPr>
+            <p:cNvPr id="21" name="Group 20">
+              <a:extLst>
+                <a:ext uri="{FF2B5EF4-FFF2-40B4-BE49-F238E27FC236}">
+                  <a16:creationId xmlns:a16="http://schemas.microsoft.com/office/drawing/2014/main" id="{1060B5C6-21B6-B5E9-E367-B5136C9FD16C}"/>
+                </a:ext>
+              </a:extLst>
+            </p:cNvPr>
+            <p:cNvGrpSpPr/>
+            <p:nvPr/>
+          </p:nvGrpSpPr>
+          <p:grpSpPr>
+            <a:xfrm>
+              <a:off x="1524869" y="4057650"/>
+              <a:ext cx="315310" cy="547129"/>
+              <a:chOff x="1464015" y="5149850"/>
+              <a:chExt cx="606085" cy="845579"/>
+            </a:xfrm>
+          </p:grpSpPr>
+          <p:cxnSp>
+            <p:nvCxnSpPr>
+              <p:cNvPr id="10" name="Straight Connector 9">
+                <a:extLst>
+                  <a:ext uri="{FF2B5EF4-FFF2-40B4-BE49-F238E27FC236}">
+                    <a16:creationId xmlns:a16="http://schemas.microsoft.com/office/drawing/2014/main" id="{657C4A24-1095-4BD8-A3DA-18E66D0CBC92}"/>
+                  </a:ext>
+                </a:extLst>
+              </p:cNvPr>
+              <p:cNvCxnSpPr>
+                <a:cxnSpLocks/>
+              </p:cNvCxnSpPr>
+              <p:nvPr/>
+            </p:nvCxnSpPr>
+            <p:spPr>
+              <a:xfrm flipV="1">
+                <a:off x="1464015" y="5149850"/>
+                <a:ext cx="555285" cy="845579"/>
+              </a:xfrm>
+              <a:prstGeom prst="line">
+                <a:avLst/>
+              </a:prstGeom>
+              <a:ln w="38100">
+                <a:solidFill>
+                  <a:srgbClr val="00B050"/>
+                </a:solidFill>
+                <a:headEnd type="none" w="med" len="med"/>
+                <a:tailEnd type="triangle" w="med" len="med"/>
+              </a:ln>
+            </p:spPr>
+            <p:style>
+              <a:lnRef idx="2">
+                <a:schemeClr val="accent1"/>
+              </a:lnRef>
+              <a:fillRef idx="0">
+                <a:schemeClr val="accent1"/>
+              </a:fillRef>
+              <a:effectRef idx="1">
+                <a:schemeClr val="accent1"/>
+              </a:effectRef>
+              <a:fontRef idx="minor">
+                <a:schemeClr val="tx1"/>
+              </a:fontRef>
+            </p:style>
+          </p:cxnSp>
+          <p:cxnSp>
+            <p:nvCxnSpPr>
+              <p:cNvPr id="11" name="Straight Connector 10">
+                <a:extLst>
+                  <a:ext uri="{FF2B5EF4-FFF2-40B4-BE49-F238E27FC236}">
+                    <a16:creationId xmlns:a16="http://schemas.microsoft.com/office/drawing/2014/main" id="{6095073C-EE8B-62B6-7B93-D0CBD6E66265}"/>
+                  </a:ext>
+                </a:extLst>
+              </p:cNvPr>
+              <p:cNvCxnSpPr>
+                <a:cxnSpLocks/>
+              </p:cNvCxnSpPr>
+              <p:nvPr/>
+            </p:nvCxnSpPr>
+            <p:spPr>
+              <a:xfrm flipV="1">
+                <a:off x="1464015" y="5149850"/>
+                <a:ext cx="0" cy="845579"/>
+              </a:xfrm>
+              <a:prstGeom prst="line">
+                <a:avLst/>
+              </a:prstGeom>
+              <a:ln w="38100">
+                <a:solidFill>
+                  <a:srgbClr val="FF0000"/>
+                </a:solidFill>
+                <a:headEnd type="none" w="med" len="med"/>
+                <a:tailEnd type="triangle" w="med" len="med"/>
+              </a:ln>
+            </p:spPr>
+            <p:style>
+              <a:lnRef idx="2">
+                <a:schemeClr val="accent1"/>
+              </a:lnRef>
+              <a:fillRef idx="0">
+                <a:schemeClr val="accent1"/>
+              </a:fillRef>
+              <a:effectRef idx="1">
+                <a:schemeClr val="accent1"/>
+              </a:effectRef>
+              <a:fontRef idx="minor">
+                <a:schemeClr val="tx1"/>
+              </a:fontRef>
+            </p:style>
+          </p:cxnSp>
+          <p:cxnSp>
+            <p:nvCxnSpPr>
+              <p:cNvPr id="15" name="Straight Connector 14">
+                <a:extLst>
+                  <a:ext uri="{FF2B5EF4-FFF2-40B4-BE49-F238E27FC236}">
+                    <a16:creationId xmlns:a16="http://schemas.microsoft.com/office/drawing/2014/main" id="{4FD692F1-6E09-B290-7B18-5EB6E6F5107F}"/>
+                  </a:ext>
+                </a:extLst>
+              </p:cNvPr>
+              <p:cNvCxnSpPr>
+                <a:cxnSpLocks/>
+              </p:cNvCxnSpPr>
+              <p:nvPr/>
+            </p:nvCxnSpPr>
+            <p:spPr>
+              <a:xfrm>
+                <a:off x="1464015" y="5995429"/>
+                <a:ext cx="606085" cy="0"/>
+              </a:xfrm>
+              <a:prstGeom prst="line">
+                <a:avLst/>
+              </a:prstGeom>
+              <a:ln w="38100">
+                <a:solidFill>
+                  <a:srgbClr val="0070C0"/>
+                </a:solidFill>
+                <a:headEnd type="none" w="med" len="med"/>
+                <a:tailEnd type="triangle" w="med" len="med"/>
+              </a:ln>
+            </p:spPr>
+            <p:style>
+              <a:lnRef idx="2">
+                <a:schemeClr val="accent1"/>
+              </a:lnRef>
+              <a:fillRef idx="0">
+                <a:schemeClr val="accent1"/>
+              </a:fillRef>
+              <a:effectRef idx="1">
+                <a:schemeClr val="accent1"/>
+              </a:effectRef>
+              <a:fontRef idx="minor">
+                <a:schemeClr val="tx1"/>
+              </a:fontRef>
+            </p:style>
+          </p:cxnSp>
+        </p:grpSp>
+        <p:grpSp>
+          <p:nvGrpSpPr>
+            <p:cNvPr id="34" name="Group 33">
+              <a:extLst>
+                <a:ext uri="{FF2B5EF4-FFF2-40B4-BE49-F238E27FC236}">
+                  <a16:creationId xmlns:a16="http://schemas.microsoft.com/office/drawing/2014/main" id="{E3F8863E-A412-3891-A18E-4A7E49184C38}"/>
+                </a:ext>
+              </a:extLst>
+            </p:cNvPr>
+            <p:cNvGrpSpPr/>
+            <p:nvPr/>
+          </p:nvGrpSpPr>
+          <p:grpSpPr>
+            <a:xfrm>
+              <a:off x="4547469" y="2470150"/>
+              <a:ext cx="315310" cy="547129"/>
+              <a:chOff x="1464015" y="5149850"/>
+              <a:chExt cx="606085" cy="845579"/>
+            </a:xfrm>
+          </p:grpSpPr>
+          <p:cxnSp>
+            <p:nvCxnSpPr>
+              <p:cNvPr id="35" name="Straight Connector 34">
+                <a:extLst>
+                  <a:ext uri="{FF2B5EF4-FFF2-40B4-BE49-F238E27FC236}">
+                    <a16:creationId xmlns:a16="http://schemas.microsoft.com/office/drawing/2014/main" id="{D157D972-4967-DC2D-1E3D-989B40175C9E}"/>
+                  </a:ext>
+                </a:extLst>
+              </p:cNvPr>
+              <p:cNvCxnSpPr>
+                <a:cxnSpLocks/>
+              </p:cNvCxnSpPr>
+              <p:nvPr/>
+            </p:nvCxnSpPr>
+            <p:spPr>
+              <a:xfrm flipV="1">
+                <a:off x="1464015" y="5149850"/>
+                <a:ext cx="555285" cy="845579"/>
+              </a:xfrm>
+              <a:prstGeom prst="line">
+                <a:avLst/>
+              </a:prstGeom>
+              <a:ln w="38100">
+                <a:solidFill>
+                  <a:srgbClr val="00B050"/>
+                </a:solidFill>
+                <a:headEnd type="none" w="med" len="med"/>
+                <a:tailEnd type="triangle" w="med" len="med"/>
+              </a:ln>
+            </p:spPr>
+            <p:style>
+              <a:lnRef idx="2">
+                <a:schemeClr val="accent1"/>
+              </a:lnRef>
+              <a:fillRef idx="0">
+                <a:schemeClr val="accent1"/>
+              </a:fillRef>
+              <a:effectRef idx="1">
+                <a:schemeClr val="accent1"/>
+              </a:effectRef>
+              <a:fontRef idx="minor">
+                <a:schemeClr val="tx1"/>
+              </a:fontRef>
+            </p:style>
+          </p:cxnSp>
+          <p:cxnSp>
+            <p:nvCxnSpPr>
+              <p:cNvPr id="36" name="Straight Connector 35">
+                <a:extLst>
+                  <a:ext uri="{FF2B5EF4-FFF2-40B4-BE49-F238E27FC236}">
+                    <a16:creationId xmlns:a16="http://schemas.microsoft.com/office/drawing/2014/main" id="{957BCE76-E619-BE04-CEB4-DEA1E13B17E0}"/>
+                  </a:ext>
+                </a:extLst>
+              </p:cNvPr>
+              <p:cNvCxnSpPr>
+                <a:cxnSpLocks/>
+              </p:cNvCxnSpPr>
+              <p:nvPr/>
+            </p:nvCxnSpPr>
+            <p:spPr>
+              <a:xfrm flipV="1">
+                <a:off x="1464015" y="5149850"/>
+                <a:ext cx="0" cy="845579"/>
+              </a:xfrm>
+              <a:prstGeom prst="line">
+                <a:avLst/>
+              </a:prstGeom>
+              <a:ln w="38100">
+                <a:solidFill>
+                  <a:srgbClr val="FF0000"/>
+                </a:solidFill>
+                <a:headEnd type="none" w="med" len="med"/>
+                <a:tailEnd type="triangle" w="med" len="med"/>
+              </a:ln>
+            </p:spPr>
+            <p:style>
+              <a:lnRef idx="2">
+                <a:schemeClr val="accent1"/>
+              </a:lnRef>
+              <a:fillRef idx="0">
+                <a:schemeClr val="accent1"/>
+              </a:fillRef>
+              <a:effectRef idx="1">
+                <a:schemeClr val="accent1"/>
+              </a:effectRef>
+              <a:fontRef idx="minor">
+                <a:schemeClr val="tx1"/>
+              </a:fontRef>
+            </p:style>
+          </p:cxnSp>
+          <p:cxnSp>
+            <p:nvCxnSpPr>
+              <p:cNvPr id="37" name="Straight Connector 36">
+                <a:extLst>
+                  <a:ext uri="{FF2B5EF4-FFF2-40B4-BE49-F238E27FC236}">
+                    <a16:creationId xmlns:a16="http://schemas.microsoft.com/office/drawing/2014/main" id="{B7DAE320-C7A8-1251-2148-D2A3BB1E07A6}"/>
+                  </a:ext>
+                </a:extLst>
+              </p:cNvPr>
+              <p:cNvCxnSpPr>
+                <a:cxnSpLocks/>
+              </p:cNvCxnSpPr>
+              <p:nvPr/>
+            </p:nvCxnSpPr>
+            <p:spPr>
+              <a:xfrm>
+                <a:off x="1464015" y="5995429"/>
+                <a:ext cx="606085" cy="0"/>
+              </a:xfrm>
+              <a:prstGeom prst="line">
+                <a:avLst/>
+              </a:prstGeom>
+              <a:ln w="38100">
+                <a:solidFill>
+                  <a:srgbClr val="0070C0"/>
+                </a:solidFill>
+                <a:headEnd type="none" w="med" len="med"/>
+                <a:tailEnd type="triangle" w="med" len="med"/>
+              </a:ln>
+            </p:spPr>
+            <p:style>
+              <a:lnRef idx="2">
+                <a:schemeClr val="accent1"/>
+              </a:lnRef>
+              <a:fillRef idx="0">
+                <a:schemeClr val="accent1"/>
+              </a:fillRef>
+              <a:effectRef idx="1">
+                <a:schemeClr val="accent1"/>
+              </a:effectRef>
+              <a:fontRef idx="minor">
+                <a:schemeClr val="tx1"/>
+              </a:fontRef>
+            </p:style>
+          </p:cxnSp>
+        </p:grpSp>
+        <p:grpSp>
+          <p:nvGrpSpPr>
+            <p:cNvPr id="38" name="Group 37">
+              <a:extLst>
+                <a:ext uri="{FF2B5EF4-FFF2-40B4-BE49-F238E27FC236}">
+                  <a16:creationId xmlns:a16="http://schemas.microsoft.com/office/drawing/2014/main" id="{56B794A6-0F54-9165-5EC3-5C2A1804D1C0}"/>
+                </a:ext>
+              </a:extLst>
+            </p:cNvPr>
+            <p:cNvGrpSpPr/>
+            <p:nvPr/>
+          </p:nvGrpSpPr>
+          <p:grpSpPr>
+            <a:xfrm>
+              <a:off x="4547469" y="1701800"/>
+              <a:ext cx="315310" cy="547129"/>
+              <a:chOff x="1464015" y="5149850"/>
+              <a:chExt cx="606085" cy="845579"/>
+            </a:xfrm>
+          </p:grpSpPr>
+          <p:cxnSp>
+            <p:nvCxnSpPr>
+              <p:cNvPr id="39" name="Straight Connector 38">
+                <a:extLst>
+                  <a:ext uri="{FF2B5EF4-FFF2-40B4-BE49-F238E27FC236}">
+                    <a16:creationId xmlns:a16="http://schemas.microsoft.com/office/drawing/2014/main" id="{A5629426-8B68-FC06-4AB7-D949F4EFCF66}"/>
+                  </a:ext>
+                </a:extLst>
+              </p:cNvPr>
+              <p:cNvCxnSpPr>
+                <a:cxnSpLocks/>
+              </p:cNvCxnSpPr>
+              <p:nvPr/>
+            </p:nvCxnSpPr>
+            <p:spPr>
+              <a:xfrm flipV="1">
+                <a:off x="1464015" y="5149850"/>
+                <a:ext cx="555285" cy="845579"/>
+              </a:xfrm>
+              <a:prstGeom prst="line">
+                <a:avLst/>
+              </a:prstGeom>
+              <a:ln w="38100">
+                <a:solidFill>
+                  <a:srgbClr val="00B050"/>
+                </a:solidFill>
+                <a:headEnd type="none" w="med" len="med"/>
+                <a:tailEnd type="triangle" w="med" len="med"/>
+              </a:ln>
+            </p:spPr>
+            <p:style>
+              <a:lnRef idx="2">
+                <a:schemeClr val="accent1"/>
+              </a:lnRef>
+              <a:fillRef idx="0">
+                <a:schemeClr val="accent1"/>
+              </a:fillRef>
+              <a:effectRef idx="1">
+                <a:schemeClr val="accent1"/>
+              </a:effectRef>
+              <a:fontRef idx="minor">
+                <a:schemeClr val="tx1"/>
+              </a:fontRef>
+            </p:style>
+          </p:cxnSp>
+          <p:cxnSp>
+            <p:nvCxnSpPr>
+              <p:cNvPr id="40" name="Straight Connector 39">
+                <a:extLst>
+                  <a:ext uri="{FF2B5EF4-FFF2-40B4-BE49-F238E27FC236}">
+                    <a16:creationId xmlns:a16="http://schemas.microsoft.com/office/drawing/2014/main" id="{39FAE179-6F0A-2514-256D-FAC3906295B6}"/>
+                  </a:ext>
+                </a:extLst>
+              </p:cNvPr>
+              <p:cNvCxnSpPr>
+                <a:cxnSpLocks/>
+              </p:cNvCxnSpPr>
+              <p:nvPr/>
+            </p:nvCxnSpPr>
+            <p:spPr>
+              <a:xfrm flipV="1">
+                <a:off x="1464015" y="5149850"/>
+                <a:ext cx="0" cy="845579"/>
+              </a:xfrm>
+              <a:prstGeom prst="line">
+                <a:avLst/>
+              </a:prstGeom>
+              <a:ln w="38100">
+                <a:solidFill>
+                  <a:srgbClr val="FF0000"/>
+                </a:solidFill>
+                <a:headEnd type="none" w="med" len="med"/>
+                <a:tailEnd type="triangle" w="med" len="med"/>
+              </a:ln>
+            </p:spPr>
+            <p:style>
+              <a:lnRef idx="2">
+                <a:schemeClr val="accent1"/>
+              </a:lnRef>
+              <a:fillRef idx="0">
+                <a:schemeClr val="accent1"/>
+              </a:fillRef>
+              <a:effectRef idx="1">
+                <a:schemeClr val="accent1"/>
+              </a:effectRef>
+              <a:fontRef idx="minor">
+                <a:schemeClr val="tx1"/>
+              </a:fontRef>
+            </p:style>
+          </p:cxnSp>
+          <p:cxnSp>
+            <p:nvCxnSpPr>
+              <p:cNvPr id="41" name="Straight Connector 40">
+                <a:extLst>
+                  <a:ext uri="{FF2B5EF4-FFF2-40B4-BE49-F238E27FC236}">
+                    <a16:creationId xmlns:a16="http://schemas.microsoft.com/office/drawing/2014/main" id="{4DACD134-D6B7-3B45-CCF8-804B656825CF}"/>
+                  </a:ext>
+                </a:extLst>
+              </p:cNvPr>
+              <p:cNvCxnSpPr>
+                <a:cxnSpLocks/>
+              </p:cNvCxnSpPr>
+              <p:nvPr/>
+            </p:nvCxnSpPr>
+            <p:spPr>
+              <a:xfrm>
+                <a:off x="1464015" y="5995429"/>
+                <a:ext cx="606085" cy="0"/>
+              </a:xfrm>
+              <a:prstGeom prst="line">
+                <a:avLst/>
+              </a:prstGeom>
+              <a:ln w="38100">
+                <a:solidFill>
+                  <a:srgbClr val="0070C0"/>
+                </a:solidFill>
+                <a:headEnd type="none" w="med" len="med"/>
+                <a:tailEnd type="triangle" w="med" len="med"/>
+              </a:ln>
+            </p:spPr>
+            <p:style>
+              <a:lnRef idx="2">
+                <a:schemeClr val="accent1"/>
+              </a:lnRef>
+              <a:fillRef idx="0">
+                <a:schemeClr val="accent1"/>
+              </a:fillRef>
+              <a:effectRef idx="1">
+                <a:schemeClr val="accent1"/>
+              </a:effectRef>
+              <a:fontRef idx="minor">
+                <a:schemeClr val="tx1"/>
+              </a:fontRef>
+            </p:style>
+          </p:cxnSp>
+        </p:grpSp>
+        <p:grpSp>
+          <p:nvGrpSpPr>
+            <p:cNvPr id="55" name="Group 54">
+              <a:extLst>
+                <a:ext uri="{FF2B5EF4-FFF2-40B4-BE49-F238E27FC236}">
+                  <a16:creationId xmlns:a16="http://schemas.microsoft.com/office/drawing/2014/main" id="{6FE61D50-4E1E-5221-9E4E-D63BBA94F6F7}"/>
+                </a:ext>
+              </a:extLst>
+            </p:cNvPr>
+            <p:cNvGrpSpPr/>
+            <p:nvPr/>
+          </p:nvGrpSpPr>
+          <p:grpSpPr>
+            <a:xfrm>
+              <a:off x="5623035" y="713568"/>
+              <a:ext cx="315310" cy="1032682"/>
+              <a:chOff x="4591919" y="5444318"/>
+              <a:chExt cx="315310" cy="1032682"/>
+            </a:xfrm>
+          </p:grpSpPr>
+          <p:cxnSp>
+            <p:nvCxnSpPr>
+              <p:cNvPr id="43" name="Straight Connector 42">
+                <a:extLst>
+                  <a:ext uri="{FF2B5EF4-FFF2-40B4-BE49-F238E27FC236}">
+                    <a16:creationId xmlns:a16="http://schemas.microsoft.com/office/drawing/2014/main" id="{0BCFBE40-D022-CE03-056E-0E058F58281A}"/>
+                  </a:ext>
+                </a:extLst>
+              </p:cNvPr>
+              <p:cNvCxnSpPr>
+                <a:cxnSpLocks/>
+              </p:cNvCxnSpPr>
+              <p:nvPr/>
+            </p:nvCxnSpPr>
+            <p:spPr>
+              <a:xfrm flipV="1">
+                <a:off x="4591919" y="5444318"/>
+                <a:ext cx="288882" cy="547129"/>
+              </a:xfrm>
+              <a:prstGeom prst="line">
+                <a:avLst/>
+              </a:prstGeom>
+              <a:ln w="38100">
+                <a:solidFill>
+                  <a:srgbClr val="FF0000"/>
+                </a:solidFill>
+                <a:headEnd type="none" w="med" len="med"/>
+                <a:tailEnd type="triangle" w="med" len="med"/>
+              </a:ln>
+            </p:spPr>
+            <p:style>
+              <a:lnRef idx="2">
+                <a:schemeClr val="accent1"/>
+              </a:lnRef>
+              <a:fillRef idx="0">
+                <a:schemeClr val="accent1"/>
+              </a:fillRef>
+              <a:effectRef idx="1">
+                <a:schemeClr val="accent1"/>
+              </a:effectRef>
+              <a:fontRef idx="minor">
+                <a:schemeClr val="tx1"/>
+              </a:fontRef>
+            </p:style>
+          </p:cxnSp>
+          <p:cxnSp>
+            <p:nvCxnSpPr>
+              <p:cNvPr id="44" name="Straight Connector 43">
+                <a:extLst>
+                  <a:ext uri="{FF2B5EF4-FFF2-40B4-BE49-F238E27FC236}">
+                    <a16:creationId xmlns:a16="http://schemas.microsoft.com/office/drawing/2014/main" id="{14318284-4717-036A-389B-389B68B42089}"/>
+                  </a:ext>
+                </a:extLst>
+              </p:cNvPr>
+              <p:cNvCxnSpPr>
+                <a:cxnSpLocks/>
+              </p:cNvCxnSpPr>
+              <p:nvPr/>
+            </p:nvCxnSpPr>
+            <p:spPr>
+              <a:xfrm>
+                <a:off x="4591919" y="5991447"/>
+                <a:ext cx="0" cy="485553"/>
+              </a:xfrm>
+              <a:prstGeom prst="line">
+                <a:avLst/>
+              </a:prstGeom>
+              <a:ln w="38100">
+                <a:solidFill>
+                  <a:srgbClr val="00B050"/>
+                </a:solidFill>
+                <a:headEnd type="none" w="med" len="med"/>
+                <a:tailEnd type="triangle" w="med" len="med"/>
+              </a:ln>
+            </p:spPr>
+            <p:style>
+              <a:lnRef idx="2">
+                <a:schemeClr val="accent1"/>
+              </a:lnRef>
+              <a:fillRef idx="0">
+                <a:schemeClr val="accent1"/>
+              </a:fillRef>
+              <a:effectRef idx="1">
+                <a:schemeClr val="accent1"/>
+              </a:effectRef>
+              <a:fontRef idx="minor">
+                <a:schemeClr val="tx1"/>
+              </a:fontRef>
+            </p:style>
+          </p:cxnSp>
+          <p:cxnSp>
+            <p:nvCxnSpPr>
+              <p:cNvPr id="45" name="Straight Connector 44">
+                <a:extLst>
+                  <a:ext uri="{FF2B5EF4-FFF2-40B4-BE49-F238E27FC236}">
+                    <a16:creationId xmlns:a16="http://schemas.microsoft.com/office/drawing/2014/main" id="{8549E91D-1D0F-9320-5B0C-EEB43D6FC91B}"/>
+                  </a:ext>
+                </a:extLst>
+              </p:cNvPr>
+              <p:cNvCxnSpPr>
+                <a:cxnSpLocks/>
+              </p:cNvCxnSpPr>
+              <p:nvPr/>
+            </p:nvCxnSpPr>
+            <p:spPr>
+              <a:xfrm>
+                <a:off x="4591919" y="5991447"/>
+                <a:ext cx="315310" cy="0"/>
+              </a:xfrm>
+              <a:prstGeom prst="line">
+                <a:avLst/>
+              </a:prstGeom>
+              <a:ln w="38100">
+                <a:solidFill>
+                  <a:srgbClr val="0070C0"/>
+                </a:solidFill>
+                <a:headEnd type="none" w="med" len="med"/>
+                <a:tailEnd type="triangle" w="med" len="med"/>
+              </a:ln>
+            </p:spPr>
+            <p:style>
+              <a:lnRef idx="2">
+                <a:schemeClr val="accent1"/>
+              </a:lnRef>
+              <a:fillRef idx="0">
+                <a:schemeClr val="accent1"/>
+              </a:fillRef>
+              <a:effectRef idx="1">
+                <a:schemeClr val="accent1"/>
+              </a:effectRef>
+              <a:fontRef idx="minor">
+                <a:schemeClr val="tx1"/>
+              </a:fontRef>
+            </p:style>
+          </p:cxnSp>
+        </p:grpSp>
+        <p:grpSp>
+          <p:nvGrpSpPr>
+            <p:cNvPr id="56" name="Group 55">
+              <a:extLst>
+                <a:ext uri="{FF2B5EF4-FFF2-40B4-BE49-F238E27FC236}">
+                  <a16:creationId xmlns:a16="http://schemas.microsoft.com/office/drawing/2014/main" id="{2B25FA55-CCB6-BED9-7D99-F8116BDDF022}"/>
+                </a:ext>
+              </a:extLst>
+            </p:cNvPr>
+            <p:cNvGrpSpPr/>
+            <p:nvPr/>
+          </p:nvGrpSpPr>
+          <p:grpSpPr>
+            <a:xfrm>
+              <a:off x="6596553" y="1612721"/>
+              <a:ext cx="315310" cy="1032682"/>
+              <a:chOff x="4591919" y="5444318"/>
+              <a:chExt cx="315310" cy="1032682"/>
+            </a:xfrm>
+          </p:grpSpPr>
+          <p:cxnSp>
+            <p:nvCxnSpPr>
+              <p:cNvPr id="57" name="Straight Connector 56">
+                <a:extLst>
+                  <a:ext uri="{FF2B5EF4-FFF2-40B4-BE49-F238E27FC236}">
+                    <a16:creationId xmlns:a16="http://schemas.microsoft.com/office/drawing/2014/main" id="{C837D0D0-65DC-282A-8B7E-EAD89D650278}"/>
+                  </a:ext>
+                </a:extLst>
+              </p:cNvPr>
+              <p:cNvCxnSpPr>
+                <a:cxnSpLocks/>
+              </p:cNvCxnSpPr>
+              <p:nvPr/>
+            </p:nvCxnSpPr>
+            <p:spPr>
+              <a:xfrm flipV="1">
+                <a:off x="4591919" y="5444318"/>
+                <a:ext cx="288882" cy="547129"/>
+              </a:xfrm>
+              <a:prstGeom prst="line">
+                <a:avLst/>
+              </a:prstGeom>
+              <a:ln w="38100">
+                <a:solidFill>
+                  <a:srgbClr val="FF0000"/>
+                </a:solidFill>
+                <a:headEnd type="none" w="med" len="med"/>
+                <a:tailEnd type="triangle" w="med" len="med"/>
+              </a:ln>
+            </p:spPr>
+            <p:style>
+              <a:lnRef idx="2">
+                <a:schemeClr val="accent1"/>
+              </a:lnRef>
+              <a:fillRef idx="0">
+                <a:schemeClr val="accent1"/>
+              </a:fillRef>
+              <a:effectRef idx="1">
+                <a:schemeClr val="accent1"/>
+              </a:effectRef>
+              <a:fontRef idx="minor">
+                <a:schemeClr val="tx1"/>
+              </a:fontRef>
+            </p:style>
+          </p:cxnSp>
+          <p:cxnSp>
+            <p:nvCxnSpPr>
+              <p:cNvPr id="58" name="Straight Connector 57">
+                <a:extLst>
+                  <a:ext uri="{FF2B5EF4-FFF2-40B4-BE49-F238E27FC236}">
+                    <a16:creationId xmlns:a16="http://schemas.microsoft.com/office/drawing/2014/main" id="{C01D4D57-8DC4-83ED-6800-5A9D4A08E8DD}"/>
+                  </a:ext>
+                </a:extLst>
+              </p:cNvPr>
+              <p:cNvCxnSpPr>
+                <a:cxnSpLocks/>
+              </p:cNvCxnSpPr>
+              <p:nvPr/>
+            </p:nvCxnSpPr>
+            <p:spPr>
+              <a:xfrm>
+                <a:off x="4591919" y="5991447"/>
+                <a:ext cx="0" cy="485553"/>
+              </a:xfrm>
+              <a:prstGeom prst="line">
+                <a:avLst/>
+              </a:prstGeom>
+              <a:ln w="38100">
+                <a:solidFill>
+                  <a:srgbClr val="00B050"/>
+                </a:solidFill>
+                <a:headEnd type="none" w="med" len="med"/>
+                <a:tailEnd type="triangle" w="med" len="med"/>
+              </a:ln>
+            </p:spPr>
+            <p:style>
+              <a:lnRef idx="2">
+                <a:schemeClr val="accent1"/>
+              </a:lnRef>
+              <a:fillRef idx="0">
+                <a:schemeClr val="accent1"/>
+              </a:fillRef>
+              <a:effectRef idx="1">
+                <a:schemeClr val="accent1"/>
+              </a:effectRef>
+              <a:fontRef idx="minor">
+                <a:schemeClr val="tx1"/>
+              </a:fontRef>
+            </p:style>
+          </p:cxnSp>
+          <p:cxnSp>
+            <p:nvCxnSpPr>
+              <p:cNvPr id="59" name="Straight Connector 58">
+                <a:extLst>
+                  <a:ext uri="{FF2B5EF4-FFF2-40B4-BE49-F238E27FC236}">
+                    <a16:creationId xmlns:a16="http://schemas.microsoft.com/office/drawing/2014/main" id="{D1A9EC96-1A49-3DA4-94AD-2FD7F4D701C7}"/>
+                  </a:ext>
+                </a:extLst>
+              </p:cNvPr>
+              <p:cNvCxnSpPr>
+                <a:cxnSpLocks/>
+              </p:cNvCxnSpPr>
+              <p:nvPr/>
+            </p:nvCxnSpPr>
+            <p:spPr>
+              <a:xfrm>
+                <a:off x="4591919" y="5991447"/>
+                <a:ext cx="315310" cy="0"/>
+              </a:xfrm>
+              <a:prstGeom prst="line">
+                <a:avLst/>
+              </a:prstGeom>
+              <a:ln w="38100">
+                <a:solidFill>
+                  <a:srgbClr val="0070C0"/>
+                </a:solidFill>
+                <a:headEnd type="none" w="med" len="med"/>
+                <a:tailEnd type="triangle" w="med" len="med"/>
+              </a:ln>
+            </p:spPr>
+            <p:style>
+              <a:lnRef idx="2">
+                <a:schemeClr val="accent1"/>
+              </a:lnRef>
+              <a:fillRef idx="0">
+                <a:schemeClr val="accent1"/>
+              </a:fillRef>
+              <a:effectRef idx="1">
+                <a:schemeClr val="accent1"/>
+              </a:effectRef>
+              <a:fontRef idx="minor">
+                <a:schemeClr val="tx1"/>
+              </a:fontRef>
+            </p:style>
+          </p:cxnSp>
+        </p:grpSp>
+        <p:grpSp>
+          <p:nvGrpSpPr>
+            <p:cNvPr id="60" name="Group 59">
+              <a:extLst>
+                <a:ext uri="{FF2B5EF4-FFF2-40B4-BE49-F238E27FC236}">
+                  <a16:creationId xmlns:a16="http://schemas.microsoft.com/office/drawing/2014/main" id="{631CE7BA-30E0-6EF7-E2E4-C330AE011668}"/>
+                </a:ext>
+              </a:extLst>
+            </p:cNvPr>
+            <p:cNvGrpSpPr/>
+            <p:nvPr/>
+          </p:nvGrpSpPr>
+          <p:grpSpPr>
+            <a:xfrm>
+              <a:off x="8356756" y="1576510"/>
+              <a:ext cx="315310" cy="1032682"/>
+              <a:chOff x="4591919" y="5444318"/>
+              <a:chExt cx="315310" cy="1032682"/>
+            </a:xfrm>
+          </p:grpSpPr>
+          <p:cxnSp>
+            <p:nvCxnSpPr>
+              <p:cNvPr id="61" name="Straight Connector 60">
+                <a:extLst>
+                  <a:ext uri="{FF2B5EF4-FFF2-40B4-BE49-F238E27FC236}">
+                    <a16:creationId xmlns:a16="http://schemas.microsoft.com/office/drawing/2014/main" id="{EC62E52A-6DA4-3209-457C-D0670FF8FD11}"/>
+                  </a:ext>
+                </a:extLst>
+              </p:cNvPr>
+              <p:cNvCxnSpPr>
+                <a:cxnSpLocks/>
+              </p:cNvCxnSpPr>
+              <p:nvPr/>
+            </p:nvCxnSpPr>
+            <p:spPr>
+              <a:xfrm flipV="1">
+                <a:off x="4591919" y="5444318"/>
+                <a:ext cx="288882" cy="547129"/>
+              </a:xfrm>
+              <a:prstGeom prst="line">
+                <a:avLst/>
+              </a:prstGeom>
+              <a:ln w="38100">
+                <a:solidFill>
+                  <a:srgbClr val="FF0000"/>
+                </a:solidFill>
+                <a:headEnd type="none" w="med" len="med"/>
+                <a:tailEnd type="triangle" w="med" len="med"/>
+              </a:ln>
+            </p:spPr>
+            <p:style>
+              <a:lnRef idx="2">
+                <a:schemeClr val="accent1"/>
+              </a:lnRef>
+              <a:fillRef idx="0">
+                <a:schemeClr val="accent1"/>
+              </a:fillRef>
+              <a:effectRef idx="1">
+                <a:schemeClr val="accent1"/>
+              </a:effectRef>
+              <a:fontRef idx="minor">
+                <a:schemeClr val="tx1"/>
+              </a:fontRef>
+            </p:style>
+          </p:cxnSp>
+          <p:cxnSp>
+            <p:nvCxnSpPr>
+              <p:cNvPr id="62" name="Straight Connector 61">
+                <a:extLst>
+                  <a:ext uri="{FF2B5EF4-FFF2-40B4-BE49-F238E27FC236}">
+                    <a16:creationId xmlns:a16="http://schemas.microsoft.com/office/drawing/2014/main" id="{926C712E-9716-E05C-45A8-4C318385F95B}"/>
+                  </a:ext>
+                </a:extLst>
+              </p:cNvPr>
+              <p:cNvCxnSpPr>
+                <a:cxnSpLocks/>
+              </p:cNvCxnSpPr>
+              <p:nvPr/>
+            </p:nvCxnSpPr>
+            <p:spPr>
+              <a:xfrm>
+                <a:off x="4591919" y="5991447"/>
+                <a:ext cx="0" cy="485553"/>
+              </a:xfrm>
+              <a:prstGeom prst="line">
+                <a:avLst/>
+              </a:prstGeom>
+              <a:ln w="38100">
+                <a:solidFill>
+                  <a:srgbClr val="00B050"/>
+                </a:solidFill>
+                <a:headEnd type="none" w="med" len="med"/>
+                <a:tailEnd type="triangle" w="med" len="med"/>
+              </a:ln>
+            </p:spPr>
+            <p:style>
+              <a:lnRef idx="2">
+                <a:schemeClr val="accent1"/>
+              </a:lnRef>
+              <a:fillRef idx="0">
+                <a:schemeClr val="accent1"/>
+              </a:fillRef>
+              <a:effectRef idx="1">
+                <a:schemeClr val="accent1"/>
+              </a:effectRef>
+              <a:fontRef idx="minor">
+                <a:schemeClr val="tx1"/>
+              </a:fontRef>
+            </p:style>
+          </p:cxnSp>
+          <p:cxnSp>
+            <p:nvCxnSpPr>
+              <p:cNvPr id="63" name="Straight Connector 62">
+                <a:extLst>
+                  <a:ext uri="{FF2B5EF4-FFF2-40B4-BE49-F238E27FC236}">
+                    <a16:creationId xmlns:a16="http://schemas.microsoft.com/office/drawing/2014/main" id="{392E00E0-8807-29E3-E602-AF81CD1A31F8}"/>
+                  </a:ext>
+                </a:extLst>
+              </p:cNvPr>
+              <p:cNvCxnSpPr>
+                <a:cxnSpLocks/>
+              </p:cNvCxnSpPr>
+              <p:nvPr/>
+            </p:nvCxnSpPr>
+            <p:spPr>
+              <a:xfrm>
+                <a:off x="4591919" y="5991447"/>
+                <a:ext cx="315310" cy="0"/>
+              </a:xfrm>
+              <a:prstGeom prst="line">
+                <a:avLst/>
+              </a:prstGeom>
+              <a:ln w="38100">
+                <a:solidFill>
+                  <a:srgbClr val="0070C0"/>
+                </a:solidFill>
+                <a:headEnd type="none" w="med" len="med"/>
+                <a:tailEnd type="triangle" w="med" len="med"/>
+              </a:ln>
+            </p:spPr>
+            <p:style>
+              <a:lnRef idx="2">
+                <a:schemeClr val="accent1"/>
+              </a:lnRef>
+              <a:fillRef idx="0">
+                <a:schemeClr val="accent1"/>
+              </a:fillRef>
+              <a:effectRef idx="1">
+                <a:schemeClr val="accent1"/>
+              </a:effectRef>
+              <a:fontRef idx="minor">
+                <a:schemeClr val="tx1"/>
+              </a:fontRef>
+            </p:style>
+          </p:cxnSp>
+        </p:grpSp>
+        <p:grpSp>
+          <p:nvGrpSpPr>
+            <p:cNvPr id="71" name="Group 70">
+              <a:extLst>
+                <a:ext uri="{FF2B5EF4-FFF2-40B4-BE49-F238E27FC236}">
+                  <a16:creationId xmlns:a16="http://schemas.microsoft.com/office/drawing/2014/main" id="{102CF4A5-6B10-D3E7-5AE7-AE3AB09AE5F7}"/>
+                </a:ext>
+              </a:extLst>
+            </p:cNvPr>
+            <p:cNvGrpSpPr/>
+            <p:nvPr/>
+          </p:nvGrpSpPr>
+          <p:grpSpPr>
+            <a:xfrm>
+              <a:off x="3160038" y="2248930"/>
+              <a:ext cx="1098550" cy="768350"/>
+              <a:chOff x="368300" y="2402626"/>
+              <a:chExt cx="1098550" cy="513053"/>
+            </a:xfrm>
+          </p:grpSpPr>
+          <p:cxnSp>
+            <p:nvCxnSpPr>
+              <p:cNvPr id="65" name="Straight Connector 64">
+                <a:extLst>
+                  <a:ext uri="{FF2B5EF4-FFF2-40B4-BE49-F238E27FC236}">
+                    <a16:creationId xmlns:a16="http://schemas.microsoft.com/office/drawing/2014/main" id="{05CC2D6F-00D4-A8E3-D1BD-6B91CA41D124}"/>
+                  </a:ext>
+                </a:extLst>
+              </p:cNvPr>
+              <p:cNvCxnSpPr/>
+              <p:nvPr/>
+            </p:nvCxnSpPr>
+            <p:spPr>
+              <a:xfrm>
+                <a:off x="539524" y="2915679"/>
+                <a:ext cx="920976" cy="0"/>
+              </a:xfrm>
+              <a:prstGeom prst="line">
+                <a:avLst/>
+              </a:prstGeom>
+            </p:spPr>
+            <p:style>
+              <a:lnRef idx="2">
+                <a:schemeClr val="accent1"/>
+              </a:lnRef>
+              <a:fillRef idx="0">
+                <a:schemeClr val="accent1"/>
+              </a:fillRef>
+              <a:effectRef idx="1">
+                <a:schemeClr val="accent1"/>
+              </a:effectRef>
+              <a:fontRef idx="minor">
+                <a:schemeClr val="tx1"/>
+              </a:fontRef>
+            </p:style>
+          </p:cxnSp>
+          <p:cxnSp>
+            <p:nvCxnSpPr>
+              <p:cNvPr id="66" name="Straight Connector 65">
+                <a:extLst>
+                  <a:ext uri="{FF2B5EF4-FFF2-40B4-BE49-F238E27FC236}">
+                    <a16:creationId xmlns:a16="http://schemas.microsoft.com/office/drawing/2014/main" id="{BC12106F-9C94-1569-8B3E-5F60457CA32F}"/>
+                  </a:ext>
+                </a:extLst>
+              </p:cNvPr>
+              <p:cNvCxnSpPr/>
+              <p:nvPr/>
+            </p:nvCxnSpPr>
+            <p:spPr>
+              <a:xfrm>
+                <a:off x="545874" y="2402626"/>
+                <a:ext cx="920976" cy="0"/>
+              </a:xfrm>
+              <a:prstGeom prst="line">
+                <a:avLst/>
+              </a:prstGeom>
+            </p:spPr>
+            <p:style>
+              <a:lnRef idx="2">
+                <a:schemeClr val="accent1"/>
+              </a:lnRef>
+              <a:fillRef idx="0">
+                <a:schemeClr val="accent1"/>
+              </a:fillRef>
+              <a:effectRef idx="1">
+                <a:schemeClr val="accent1"/>
+              </a:effectRef>
+              <a:fontRef idx="minor">
+                <a:schemeClr val="tx1"/>
+              </a:fontRef>
+            </p:style>
+          </p:cxnSp>
+          <p:cxnSp>
+            <p:nvCxnSpPr>
+              <p:cNvPr id="67" name="Straight Connector 66">
+                <a:extLst>
+                  <a:ext uri="{FF2B5EF4-FFF2-40B4-BE49-F238E27FC236}">
+                    <a16:creationId xmlns:a16="http://schemas.microsoft.com/office/drawing/2014/main" id="{9FDBEE09-7566-AEDF-19D0-4F5D38CF32D1}"/>
+                  </a:ext>
+                </a:extLst>
+              </p:cNvPr>
+              <p:cNvCxnSpPr>
+                <a:cxnSpLocks/>
+              </p:cNvCxnSpPr>
+              <p:nvPr/>
+            </p:nvCxnSpPr>
+            <p:spPr>
+              <a:xfrm>
+                <a:off x="761548" y="2402626"/>
+                <a:ext cx="0" cy="513053"/>
+              </a:xfrm>
+              <a:prstGeom prst="line">
+                <a:avLst/>
+              </a:prstGeom>
+              <a:ln>
+                <a:headEnd type="triangle" w="med" len="med"/>
+                <a:tailEnd type="triangle" w="med" len="med"/>
+              </a:ln>
+            </p:spPr>
+            <p:style>
+              <a:lnRef idx="2">
+                <a:schemeClr val="accent1"/>
+              </a:lnRef>
+              <a:fillRef idx="0">
+                <a:schemeClr val="accent1"/>
+              </a:fillRef>
+              <a:effectRef idx="1">
+                <a:schemeClr val="accent1"/>
+              </a:effectRef>
+              <a:fontRef idx="minor">
+                <a:schemeClr val="tx1"/>
+              </a:fontRef>
+            </p:style>
+          </p:cxnSp>
+          <p:sp>
+            <p:nvSpPr>
+              <p:cNvPr id="70" name="TextBox 69">
+                <a:extLst>
+                  <a:ext uri="{FF2B5EF4-FFF2-40B4-BE49-F238E27FC236}">
+                    <a16:creationId xmlns:a16="http://schemas.microsoft.com/office/drawing/2014/main" id="{B5A92040-F18E-F394-0999-A2F37ADD4540}"/>
+                  </a:ext>
+                </a:extLst>
+              </p:cNvPr>
+              <p:cNvSpPr txBox="1"/>
+              <p:nvPr/>
+            </p:nvSpPr>
+            <p:spPr>
+              <a:xfrm>
+                <a:off x="368300" y="2457450"/>
+                <a:ext cx="473317" cy="369332"/>
+              </a:xfrm>
+              <a:prstGeom prst="rect">
+                <a:avLst/>
+              </a:prstGeom>
+              <a:noFill/>
+            </p:spPr>
+            <p:txBody>
+              <a:bodyPr wrap="square" rtlCol="0">
+                <a:spAutoFit/>
+              </a:bodyPr>
+              <a:lstStyle/>
+              <a:p>
+                <a:r>
+                  <a:rPr lang="en-US" dirty="0"/>
+                  <a:t>d</a:t>
+                </a:r>
+                <a:r>
+                  <a:rPr lang="en-US" sz="1600" dirty="0"/>
+                  <a:t>1</a:t>
+                </a:r>
+                <a:endParaRPr lang="en-US" baseline="30000" dirty="0"/>
+              </a:p>
+            </p:txBody>
+          </p:sp>
+        </p:grpSp>
+        <p:grpSp>
+          <p:nvGrpSpPr>
+            <p:cNvPr id="72" name="Group 71">
+              <a:extLst>
+                <a:ext uri="{FF2B5EF4-FFF2-40B4-BE49-F238E27FC236}">
+                  <a16:creationId xmlns:a16="http://schemas.microsoft.com/office/drawing/2014/main" id="{FFEB6CE6-2E61-B590-592A-83696DEEA2D6}"/>
+                </a:ext>
+              </a:extLst>
+            </p:cNvPr>
+            <p:cNvGrpSpPr/>
+            <p:nvPr/>
+          </p:nvGrpSpPr>
+          <p:grpSpPr>
+            <a:xfrm rot="2938606">
+              <a:off x="4134946" y="585390"/>
+              <a:ext cx="1098550" cy="1445090"/>
+              <a:chOff x="368300" y="2402626"/>
+              <a:chExt cx="1098550" cy="513053"/>
+            </a:xfrm>
+          </p:grpSpPr>
+          <p:cxnSp>
+            <p:nvCxnSpPr>
+              <p:cNvPr id="73" name="Straight Connector 72">
+                <a:extLst>
+                  <a:ext uri="{FF2B5EF4-FFF2-40B4-BE49-F238E27FC236}">
+                    <a16:creationId xmlns:a16="http://schemas.microsoft.com/office/drawing/2014/main" id="{9FBD1F7A-CAAD-3BE4-C3FB-0C1A6BE207A4}"/>
+                  </a:ext>
+                </a:extLst>
+              </p:cNvPr>
+              <p:cNvCxnSpPr/>
+              <p:nvPr/>
+            </p:nvCxnSpPr>
+            <p:spPr>
+              <a:xfrm>
+                <a:off x="539524" y="2915679"/>
+                <a:ext cx="920976" cy="0"/>
+              </a:xfrm>
+              <a:prstGeom prst="line">
+                <a:avLst/>
+              </a:prstGeom>
+            </p:spPr>
+            <p:style>
+              <a:lnRef idx="2">
+                <a:schemeClr val="accent1"/>
+              </a:lnRef>
+              <a:fillRef idx="0">
+                <a:schemeClr val="accent1"/>
+              </a:fillRef>
+              <a:effectRef idx="1">
+                <a:schemeClr val="accent1"/>
+              </a:effectRef>
+              <a:fontRef idx="minor">
+                <a:schemeClr val="tx1"/>
+              </a:fontRef>
+            </p:style>
+          </p:cxnSp>
+          <p:cxnSp>
+            <p:nvCxnSpPr>
+              <p:cNvPr id="74" name="Straight Connector 73">
+                <a:extLst>
+                  <a:ext uri="{FF2B5EF4-FFF2-40B4-BE49-F238E27FC236}">
+                    <a16:creationId xmlns:a16="http://schemas.microsoft.com/office/drawing/2014/main" id="{D7F071F9-6A4B-A94A-D64D-A180A107892D}"/>
+                  </a:ext>
+                </a:extLst>
+              </p:cNvPr>
+              <p:cNvCxnSpPr/>
+              <p:nvPr/>
+            </p:nvCxnSpPr>
+            <p:spPr>
+              <a:xfrm>
+                <a:off x="545874" y="2402626"/>
+                <a:ext cx="920976" cy="0"/>
+              </a:xfrm>
+              <a:prstGeom prst="line">
+                <a:avLst/>
+              </a:prstGeom>
+            </p:spPr>
+            <p:style>
+              <a:lnRef idx="2">
+                <a:schemeClr val="accent1"/>
+              </a:lnRef>
+              <a:fillRef idx="0">
+                <a:schemeClr val="accent1"/>
+              </a:fillRef>
+              <a:effectRef idx="1">
+                <a:schemeClr val="accent1"/>
+              </a:effectRef>
+              <a:fontRef idx="minor">
+                <a:schemeClr val="tx1"/>
+              </a:fontRef>
+            </p:style>
+          </p:cxnSp>
+          <p:cxnSp>
+            <p:nvCxnSpPr>
+              <p:cNvPr id="75" name="Straight Connector 74">
+                <a:extLst>
+                  <a:ext uri="{FF2B5EF4-FFF2-40B4-BE49-F238E27FC236}">
+                    <a16:creationId xmlns:a16="http://schemas.microsoft.com/office/drawing/2014/main" id="{463AE144-7C34-A157-3186-7735E4BBF9D2}"/>
+                  </a:ext>
+                </a:extLst>
+              </p:cNvPr>
+              <p:cNvCxnSpPr>
+                <a:cxnSpLocks/>
+              </p:cNvCxnSpPr>
+              <p:nvPr/>
+            </p:nvCxnSpPr>
+            <p:spPr>
+              <a:xfrm>
+                <a:off x="761548" y="2402626"/>
+                <a:ext cx="0" cy="513053"/>
+              </a:xfrm>
+              <a:prstGeom prst="line">
+                <a:avLst/>
+              </a:prstGeom>
+              <a:ln>
+                <a:headEnd type="triangle" w="med" len="med"/>
+                <a:tailEnd type="triangle" w="med" len="med"/>
+              </a:ln>
+            </p:spPr>
+            <p:style>
+              <a:lnRef idx="2">
+                <a:schemeClr val="accent1"/>
+              </a:lnRef>
+              <a:fillRef idx="0">
+                <a:schemeClr val="accent1"/>
+              </a:fillRef>
+              <a:effectRef idx="1">
+                <a:schemeClr val="accent1"/>
+              </a:effectRef>
+              <a:fontRef idx="minor">
+                <a:schemeClr val="tx1"/>
+              </a:fontRef>
+            </p:style>
+          </p:cxnSp>
+          <p:sp>
+            <p:nvSpPr>
+              <p:cNvPr id="76" name="TextBox 75">
+                <a:extLst>
+                  <a:ext uri="{FF2B5EF4-FFF2-40B4-BE49-F238E27FC236}">
+                    <a16:creationId xmlns:a16="http://schemas.microsoft.com/office/drawing/2014/main" id="{E4CF6AEB-EBC2-590F-B2EE-BC97DDE4E91B}"/>
+                  </a:ext>
+                </a:extLst>
+              </p:cNvPr>
+              <p:cNvSpPr txBox="1"/>
+              <p:nvPr/>
+            </p:nvSpPr>
+            <p:spPr>
+              <a:xfrm>
+                <a:off x="368300" y="2576554"/>
+                <a:ext cx="473317" cy="131125"/>
+              </a:xfrm>
+              <a:prstGeom prst="rect">
+                <a:avLst/>
+              </a:prstGeom>
+              <a:noFill/>
+            </p:spPr>
+            <p:txBody>
+              <a:bodyPr wrap="square" rtlCol="0">
+                <a:spAutoFit/>
+              </a:bodyPr>
+              <a:lstStyle/>
+              <a:p>
+                <a:r>
+                  <a:rPr lang="en-US" dirty="0"/>
+                  <a:t>a</a:t>
+                </a:r>
+                <a:r>
+                  <a:rPr lang="en-US" sz="1600" dirty="0"/>
+                  <a:t>1</a:t>
+                </a:r>
+                <a:endParaRPr lang="en-US" baseline="30000" dirty="0"/>
+              </a:p>
+            </p:txBody>
+          </p:sp>
+        </p:grpSp>
+        <p:grpSp>
+          <p:nvGrpSpPr>
+            <p:cNvPr id="77" name="Group 76">
+              <a:extLst>
+                <a:ext uri="{FF2B5EF4-FFF2-40B4-BE49-F238E27FC236}">
+                  <a16:creationId xmlns:a16="http://schemas.microsoft.com/office/drawing/2014/main" id="{DEC3DB8E-6A30-2F30-453B-EB66EE35A037}"/>
+                </a:ext>
+              </a:extLst>
+            </p:cNvPr>
+            <p:cNvGrpSpPr/>
+            <p:nvPr/>
+          </p:nvGrpSpPr>
+          <p:grpSpPr>
+            <a:xfrm rot="7787032">
+              <a:off x="5956598" y="626706"/>
+              <a:ext cx="1046557" cy="1323306"/>
+              <a:chOff x="420293" y="2402626"/>
+              <a:chExt cx="1046557" cy="513053"/>
+            </a:xfrm>
+          </p:grpSpPr>
+          <p:cxnSp>
+            <p:nvCxnSpPr>
+              <p:cNvPr id="78" name="Straight Connector 77">
+                <a:extLst>
+                  <a:ext uri="{FF2B5EF4-FFF2-40B4-BE49-F238E27FC236}">
+                    <a16:creationId xmlns:a16="http://schemas.microsoft.com/office/drawing/2014/main" id="{6946276F-C0C7-12CD-8B0E-610C0E3E96DC}"/>
+                  </a:ext>
+                </a:extLst>
+              </p:cNvPr>
+              <p:cNvCxnSpPr/>
+              <p:nvPr/>
+            </p:nvCxnSpPr>
+            <p:spPr>
+              <a:xfrm>
+                <a:off x="539524" y="2915679"/>
+                <a:ext cx="920976" cy="0"/>
+              </a:xfrm>
+              <a:prstGeom prst="line">
+                <a:avLst/>
+              </a:prstGeom>
+            </p:spPr>
+            <p:style>
+              <a:lnRef idx="2">
+                <a:schemeClr val="accent1"/>
+              </a:lnRef>
+              <a:fillRef idx="0">
+                <a:schemeClr val="accent1"/>
+              </a:fillRef>
+              <a:effectRef idx="1">
+                <a:schemeClr val="accent1"/>
+              </a:effectRef>
+              <a:fontRef idx="minor">
+                <a:schemeClr val="tx1"/>
+              </a:fontRef>
+            </p:style>
+          </p:cxnSp>
+          <p:cxnSp>
+            <p:nvCxnSpPr>
+              <p:cNvPr id="79" name="Straight Connector 78">
+                <a:extLst>
+                  <a:ext uri="{FF2B5EF4-FFF2-40B4-BE49-F238E27FC236}">
+                    <a16:creationId xmlns:a16="http://schemas.microsoft.com/office/drawing/2014/main" id="{BE853EFB-4E1C-FEB8-72C2-EA25121F0F41}"/>
+                  </a:ext>
+                </a:extLst>
+              </p:cNvPr>
+              <p:cNvCxnSpPr/>
+              <p:nvPr/>
+            </p:nvCxnSpPr>
+            <p:spPr>
+              <a:xfrm>
+                <a:off x="545874" y="2402626"/>
+                <a:ext cx="920976" cy="0"/>
+              </a:xfrm>
+              <a:prstGeom prst="line">
+                <a:avLst/>
+              </a:prstGeom>
+            </p:spPr>
+            <p:style>
+              <a:lnRef idx="2">
+                <a:schemeClr val="accent1"/>
+              </a:lnRef>
+              <a:fillRef idx="0">
+                <a:schemeClr val="accent1"/>
+              </a:fillRef>
+              <a:effectRef idx="1">
+                <a:schemeClr val="accent1"/>
+              </a:effectRef>
+              <a:fontRef idx="minor">
+                <a:schemeClr val="tx1"/>
+              </a:fontRef>
+            </p:style>
+          </p:cxnSp>
+          <p:cxnSp>
+            <p:nvCxnSpPr>
+              <p:cNvPr id="80" name="Straight Connector 79">
+                <a:extLst>
+                  <a:ext uri="{FF2B5EF4-FFF2-40B4-BE49-F238E27FC236}">
+                    <a16:creationId xmlns:a16="http://schemas.microsoft.com/office/drawing/2014/main" id="{94B964D1-3110-C5FE-2E5C-6517AAA069D9}"/>
+                  </a:ext>
+                </a:extLst>
+              </p:cNvPr>
+              <p:cNvCxnSpPr>
+                <a:cxnSpLocks/>
+              </p:cNvCxnSpPr>
+              <p:nvPr/>
+            </p:nvCxnSpPr>
+            <p:spPr>
+              <a:xfrm>
+                <a:off x="761548" y="2402626"/>
+                <a:ext cx="0" cy="513053"/>
+              </a:xfrm>
+              <a:prstGeom prst="line">
+                <a:avLst/>
+              </a:prstGeom>
+              <a:ln>
+                <a:headEnd type="triangle" w="med" len="med"/>
+                <a:tailEnd type="triangle" w="med" len="med"/>
+              </a:ln>
+            </p:spPr>
+            <p:style>
+              <a:lnRef idx="2">
+                <a:schemeClr val="accent1"/>
+              </a:lnRef>
+              <a:fillRef idx="0">
+                <a:schemeClr val="accent1"/>
+              </a:fillRef>
+              <a:effectRef idx="1">
+                <a:schemeClr val="accent1"/>
+              </a:effectRef>
+              <a:fontRef idx="minor">
+                <a:schemeClr val="tx1"/>
+              </a:fontRef>
+            </p:style>
+          </p:cxnSp>
+          <p:sp>
+            <p:nvSpPr>
+              <p:cNvPr id="81" name="TextBox 80">
+                <a:extLst>
+                  <a:ext uri="{FF2B5EF4-FFF2-40B4-BE49-F238E27FC236}">
+                    <a16:creationId xmlns:a16="http://schemas.microsoft.com/office/drawing/2014/main" id="{43B4F6D1-BC9A-24A9-942A-3160FCEA077E}"/>
+                  </a:ext>
+                </a:extLst>
+              </p:cNvPr>
+              <p:cNvSpPr txBox="1"/>
+              <p:nvPr/>
+            </p:nvSpPr>
+            <p:spPr>
+              <a:xfrm rot="15829219">
+                <a:off x="513205" y="2457451"/>
+                <a:ext cx="183508" cy="369332"/>
+              </a:xfrm>
+              <a:prstGeom prst="rect">
+                <a:avLst/>
+              </a:prstGeom>
+              <a:noFill/>
+            </p:spPr>
+            <p:txBody>
+              <a:bodyPr wrap="square" rtlCol="0">
+                <a:spAutoFit/>
+              </a:bodyPr>
+              <a:lstStyle/>
+              <a:p>
+                <a:r>
+                  <a:rPr lang="en-US" dirty="0"/>
+                  <a:t>a</a:t>
+                </a:r>
+                <a:r>
+                  <a:rPr lang="en-US" sz="1600" dirty="0"/>
+                  <a:t>2</a:t>
+                </a:r>
+                <a:endParaRPr lang="en-US" baseline="30000" dirty="0"/>
+              </a:p>
+            </p:txBody>
+          </p:sp>
+        </p:grpSp>
+        <p:grpSp>
+          <p:nvGrpSpPr>
+            <p:cNvPr id="82" name="Group 81">
+              <a:extLst>
+                <a:ext uri="{FF2B5EF4-FFF2-40B4-BE49-F238E27FC236}">
+                  <a16:creationId xmlns:a16="http://schemas.microsoft.com/office/drawing/2014/main" id="{DE23DABC-57FD-872C-AA40-51127C57BCF2}"/>
+                </a:ext>
+              </a:extLst>
+            </p:cNvPr>
+            <p:cNvGrpSpPr/>
+            <p:nvPr/>
+          </p:nvGrpSpPr>
+          <p:grpSpPr>
+            <a:xfrm rot="5400000" flipH="1">
+              <a:off x="6875181" y="1817690"/>
+              <a:ext cx="1214563" cy="1695733"/>
+              <a:chOff x="539524" y="2402626"/>
+              <a:chExt cx="927326" cy="513053"/>
+            </a:xfrm>
+          </p:grpSpPr>
+          <p:cxnSp>
+            <p:nvCxnSpPr>
+              <p:cNvPr id="83" name="Straight Connector 82">
+                <a:extLst>
+                  <a:ext uri="{FF2B5EF4-FFF2-40B4-BE49-F238E27FC236}">
+                    <a16:creationId xmlns:a16="http://schemas.microsoft.com/office/drawing/2014/main" id="{411E6C7A-35D7-E86D-5045-F22250F9270D}"/>
+                  </a:ext>
+                </a:extLst>
+              </p:cNvPr>
+              <p:cNvCxnSpPr/>
+              <p:nvPr/>
+            </p:nvCxnSpPr>
+            <p:spPr>
+              <a:xfrm>
+                <a:off x="539524" y="2915679"/>
+                <a:ext cx="920976" cy="0"/>
+              </a:xfrm>
+              <a:prstGeom prst="line">
+                <a:avLst/>
+              </a:prstGeom>
+            </p:spPr>
+            <p:style>
+              <a:lnRef idx="2">
+                <a:schemeClr val="accent1"/>
+              </a:lnRef>
+              <a:fillRef idx="0">
+                <a:schemeClr val="accent1"/>
+              </a:fillRef>
+              <a:effectRef idx="1">
+                <a:schemeClr val="accent1"/>
+              </a:effectRef>
+              <a:fontRef idx="minor">
+                <a:schemeClr val="tx1"/>
+              </a:fontRef>
+            </p:style>
+          </p:cxnSp>
+          <p:cxnSp>
+            <p:nvCxnSpPr>
+              <p:cNvPr id="84" name="Straight Connector 83">
+                <a:extLst>
+                  <a:ext uri="{FF2B5EF4-FFF2-40B4-BE49-F238E27FC236}">
+                    <a16:creationId xmlns:a16="http://schemas.microsoft.com/office/drawing/2014/main" id="{235CE111-20B7-CEC3-FDC4-2BE73C32CD9C}"/>
+                  </a:ext>
+                </a:extLst>
+              </p:cNvPr>
+              <p:cNvCxnSpPr/>
+              <p:nvPr/>
+            </p:nvCxnSpPr>
+            <p:spPr>
+              <a:xfrm>
+                <a:off x="545874" y="2402626"/>
+                <a:ext cx="920976" cy="0"/>
+              </a:xfrm>
+              <a:prstGeom prst="line">
+                <a:avLst/>
+              </a:prstGeom>
+            </p:spPr>
+            <p:style>
+              <a:lnRef idx="2">
+                <a:schemeClr val="accent1"/>
+              </a:lnRef>
+              <a:fillRef idx="0">
+                <a:schemeClr val="accent1"/>
+              </a:fillRef>
+              <a:effectRef idx="1">
+                <a:schemeClr val="accent1"/>
+              </a:effectRef>
+              <a:fontRef idx="minor">
+                <a:schemeClr val="tx1"/>
+              </a:fontRef>
+            </p:style>
+          </p:cxnSp>
+          <p:cxnSp>
+            <p:nvCxnSpPr>
+              <p:cNvPr id="85" name="Straight Connector 84">
+                <a:extLst>
+                  <a:ext uri="{FF2B5EF4-FFF2-40B4-BE49-F238E27FC236}">
+                    <a16:creationId xmlns:a16="http://schemas.microsoft.com/office/drawing/2014/main" id="{4D85750C-951A-D20B-BD88-0747361E2D7D}"/>
+                  </a:ext>
+                </a:extLst>
+              </p:cNvPr>
+              <p:cNvCxnSpPr>
+                <a:cxnSpLocks/>
+              </p:cNvCxnSpPr>
+              <p:nvPr/>
+            </p:nvCxnSpPr>
+            <p:spPr>
+              <a:xfrm>
+                <a:off x="761548" y="2402626"/>
+                <a:ext cx="0" cy="513053"/>
+              </a:xfrm>
+              <a:prstGeom prst="line">
+                <a:avLst/>
+              </a:prstGeom>
+              <a:ln>
+                <a:headEnd type="triangle" w="med" len="med"/>
+                <a:tailEnd type="triangle" w="med" len="med"/>
+              </a:ln>
+            </p:spPr>
+            <p:style>
+              <a:lnRef idx="2">
+                <a:schemeClr val="accent1"/>
+              </a:lnRef>
+              <a:fillRef idx="0">
+                <a:schemeClr val="accent1"/>
+              </a:fillRef>
+              <a:effectRef idx="1">
+                <a:schemeClr val="accent1"/>
+              </a:effectRef>
+              <a:fontRef idx="minor">
+                <a:schemeClr val="tx1"/>
+              </a:fontRef>
+            </p:style>
+          </p:cxnSp>
+          <p:sp>
+            <p:nvSpPr>
+              <p:cNvPr id="86" name="TextBox 85">
+                <a:extLst>
+                  <a:ext uri="{FF2B5EF4-FFF2-40B4-BE49-F238E27FC236}">
+                    <a16:creationId xmlns:a16="http://schemas.microsoft.com/office/drawing/2014/main" id="{5E2B2517-E363-173A-7298-2C4217E4889A}"/>
+                  </a:ext>
+                </a:extLst>
+              </p:cNvPr>
+              <p:cNvSpPr txBox="1"/>
+              <p:nvPr/>
+            </p:nvSpPr>
+            <p:spPr>
+              <a:xfrm rot="16200000" flipV="1">
+                <a:off x="862458" y="2503725"/>
+                <a:ext cx="178304" cy="281987"/>
+              </a:xfrm>
+              <a:prstGeom prst="rect">
+                <a:avLst/>
+              </a:prstGeom>
+              <a:noFill/>
+            </p:spPr>
+            <p:txBody>
+              <a:bodyPr wrap="square" rtlCol="0">
+                <a:spAutoFit/>
+              </a:bodyPr>
+              <a:lstStyle/>
+              <a:p>
+                <a:r>
+                  <a:rPr lang="en-US" dirty="0"/>
+                  <a:t>a</a:t>
+                </a:r>
+                <a:r>
+                  <a:rPr lang="en-US" sz="1600" dirty="0"/>
+                  <a:t>3</a:t>
+                </a:r>
+                <a:endParaRPr lang="en-US" baseline="30000" dirty="0"/>
+              </a:p>
+            </p:txBody>
+          </p:sp>
+        </p:grpSp>
+      </p:grpSp>
+      <p:graphicFrame>
+        <p:nvGraphicFramePr>
+          <p:cNvPr id="88" name="Table 87">
+            <a:extLst>
+              <a:ext uri="{FF2B5EF4-FFF2-40B4-BE49-F238E27FC236}">
+                <a16:creationId xmlns:a16="http://schemas.microsoft.com/office/drawing/2014/main" id="{D1104D61-3C5C-F3DD-1018-F4446782EB1C}"/>
+              </a:ext>
+            </a:extLst>
+          </p:cNvPr>
+          <p:cNvGraphicFramePr>
+            <a:graphicFrameLocks noGrp="1"/>
+          </p:cNvGraphicFramePr>
+          <p:nvPr>
+            <p:extLst>
+              <p:ext uri="{D42A27DB-BD31-4B8C-83A1-F6EECF244321}">
+                <p14:modId xmlns:p14="http://schemas.microsoft.com/office/powerpoint/2010/main" val="158050662"/>
+              </p:ext>
+            </p:extLst>
+          </p:nvPr>
+        </p:nvGraphicFramePr>
+        <p:xfrm>
+          <a:off x="1517717" y="4629464"/>
+          <a:ext cx="8128000" cy="2225040"/>
+        </p:xfrm>
+        <a:graphic>
+          <a:graphicData uri="http://schemas.openxmlformats.org/drawingml/2006/table">
+            <a:tbl>
+              <a:tblPr firstRow="1" bandRow="1">
+                <a:tableStyleId>{5C22544A-7EE6-4342-B048-85BDC9FD1C3A}</a:tableStyleId>
+              </a:tblPr>
+              <a:tblGrid>
+                <a:gridCol w="2032000">
+                  <a:extLst>
+                    <a:ext uri="{9D8B030D-6E8A-4147-A177-3AD203B41FA5}">
+                      <a16:colId xmlns:a16="http://schemas.microsoft.com/office/drawing/2014/main" val="201254795"/>
+                    </a:ext>
+                  </a:extLst>
+                </a:gridCol>
+                <a:gridCol w="2032000">
+                  <a:extLst>
+                    <a:ext uri="{9D8B030D-6E8A-4147-A177-3AD203B41FA5}">
+                      <a16:colId xmlns:a16="http://schemas.microsoft.com/office/drawing/2014/main" val="2706508072"/>
+                    </a:ext>
+                  </a:extLst>
+                </a:gridCol>
+                <a:gridCol w="2032000">
+                  <a:extLst>
+                    <a:ext uri="{9D8B030D-6E8A-4147-A177-3AD203B41FA5}">
+                      <a16:colId xmlns:a16="http://schemas.microsoft.com/office/drawing/2014/main" val="959903503"/>
+                    </a:ext>
+                  </a:extLst>
+                </a:gridCol>
+                <a:gridCol w="2032000">
+                  <a:extLst>
+                    <a:ext uri="{9D8B030D-6E8A-4147-A177-3AD203B41FA5}">
+                      <a16:colId xmlns:a16="http://schemas.microsoft.com/office/drawing/2014/main" val="3477041554"/>
+                    </a:ext>
+                  </a:extLst>
+                </a:gridCol>
+              </a:tblGrid>
+              <a:tr h="370840">
+                <a:tc>
+                  <a:txBody>
+                    <a:bodyPr/>
+                    <a:lstStyle/>
+                    <a:p>
+                      <a:pPr algn="ctr"/>
+                      <a:r>
+                        <a:rPr lang="en-US" dirty="0"/>
+                        <a:t>d</a:t>
+                      </a:r>
+                    </a:p>
+                  </a:txBody>
+                  <a:tcPr/>
+                </a:tc>
+                <a:tc>
+                  <a:txBody>
+                    <a:bodyPr/>
+                    <a:lstStyle/>
+                    <a:p>
+                      <a:pPr algn="ctr"/>
+                      <a:r>
+                        <a:rPr lang="en-US" dirty="0"/>
+                        <a:t>a</a:t>
+                      </a:r>
+                    </a:p>
+                  </a:txBody>
+                  <a:tcPr/>
+                </a:tc>
+                <a:tc>
+                  <a:txBody>
+                    <a:bodyPr/>
+                    <a:lstStyle/>
+                    <a:p>
+                      <a:pPr algn="ctr"/>
+                      <a:r>
+                        <a:rPr lang="el-GR" dirty="0"/>
+                        <a:t>α</a:t>
+                      </a:r>
+                      <a:endParaRPr lang="en-US" dirty="0"/>
+                    </a:p>
+                  </a:txBody>
+                  <a:tcPr/>
+                </a:tc>
+                <a:tc>
+                  <a:txBody>
+                    <a:bodyPr/>
+                    <a:lstStyle/>
+                    <a:p>
+                      <a:pPr algn="ctr"/>
+                      <a:r>
+                        <a:rPr lang="el-GR" dirty="0"/>
+                        <a:t>θ</a:t>
+                      </a:r>
+                      <a:endParaRPr lang="en-US" dirty="0"/>
+                    </a:p>
+                  </a:txBody>
+                  <a:tcPr/>
+                </a:tc>
+                <a:extLst>
+                  <a:ext uri="{0D108BD9-81ED-4DB2-BD59-A6C34878D82A}">
+                    <a16:rowId xmlns:a16="http://schemas.microsoft.com/office/drawing/2014/main" val="3379084238"/>
+                  </a:ext>
+                </a:extLst>
+              </a:tr>
+              <a:tr h="370840">
+                <a:tc>
+                  <a:txBody>
+                    <a:bodyPr/>
+                    <a:lstStyle/>
+                    <a:p>
+                      <a:pPr algn="ctr"/>
+                      <a:r>
+                        <a:rPr lang="en-US" dirty="0"/>
+                        <a:t>62.8 mm</a:t>
+                      </a:r>
+                    </a:p>
+                  </a:txBody>
+                  <a:tcPr/>
+                </a:tc>
+                <a:tc>
+                  <a:txBody>
+                    <a:bodyPr/>
+                    <a:lstStyle/>
+                    <a:p>
+                      <a:pPr algn="ctr"/>
+                      <a:r>
+                        <a:rPr lang="en-US" dirty="0"/>
+                        <a:t>0</a:t>
+                      </a:r>
+                    </a:p>
+                  </a:txBody>
+                  <a:tcPr/>
+                </a:tc>
+                <a:tc>
+                  <a:txBody>
+                    <a:bodyPr/>
+                    <a:lstStyle/>
+                    <a:p>
+                      <a:pPr algn="ctr"/>
+                      <a:r>
+                        <a:rPr lang="en-US" dirty="0"/>
+                        <a:t>0</a:t>
+                      </a:r>
+                    </a:p>
+                  </a:txBody>
+                  <a:tcPr/>
+                </a:tc>
+                <a:tc>
+                  <a:txBody>
+                    <a:bodyPr/>
+                    <a:lstStyle/>
+                    <a:p>
+                      <a:pPr marL="0" marR="0" lvl="0" indent="0" algn="ctr" defTabSz="914400" rtl="0" eaLnBrk="1" fontAlgn="auto" latinLnBrk="0" hangingPunct="1">
+                        <a:lnSpc>
+                          <a:spcPct val="100000"/>
+                        </a:lnSpc>
+                        <a:spcBef>
+                          <a:spcPts val="0"/>
+                        </a:spcBef>
+                        <a:spcAft>
+                          <a:spcPts val="0"/>
+                        </a:spcAft>
+                        <a:buClrTx/>
+                        <a:buSzTx/>
+                        <a:buFontTx/>
+                        <a:buNone/>
+                        <a:tabLst/>
+                        <a:defRPr/>
+                      </a:pPr>
+                      <a:r>
+                        <a:rPr lang="el-GR" dirty="0"/>
+                        <a:t>θ</a:t>
+                      </a:r>
+                      <a:r>
+                        <a:rPr lang="en-US" dirty="0"/>
+                        <a:t>1</a:t>
+                      </a:r>
+                    </a:p>
+                  </a:txBody>
+                  <a:tcPr/>
+                </a:tc>
+                <a:extLst>
+                  <a:ext uri="{0D108BD9-81ED-4DB2-BD59-A6C34878D82A}">
+                    <a16:rowId xmlns:a16="http://schemas.microsoft.com/office/drawing/2014/main" val="3309349193"/>
+                  </a:ext>
+                </a:extLst>
+              </a:tr>
+              <a:tr h="370840">
+                <a:tc>
+                  <a:txBody>
+                    <a:bodyPr/>
+                    <a:lstStyle/>
+                    <a:p>
+                      <a:pPr algn="ctr"/>
+                      <a:r>
+                        <a:rPr lang="en-US" dirty="0"/>
+                        <a:t>0</a:t>
+                      </a:r>
+                    </a:p>
+                  </a:txBody>
+                  <a:tcPr/>
+                </a:tc>
+                <a:tc>
+                  <a:txBody>
+                    <a:bodyPr/>
+                    <a:lstStyle/>
+                    <a:p>
+                      <a:pPr algn="ctr"/>
+                      <a:r>
+                        <a:rPr lang="en-US" dirty="0"/>
+                        <a:t>0</a:t>
+                      </a:r>
+                    </a:p>
+                  </a:txBody>
+                  <a:tcPr/>
+                </a:tc>
+                <a:tc>
+                  <a:txBody>
+                    <a:bodyPr/>
+                    <a:lstStyle/>
+                    <a:p>
+                      <a:pPr algn="ctr"/>
+                      <a:r>
+                        <a:rPr lang="en-US" dirty="0"/>
+                        <a:t>-90</a:t>
+                      </a:r>
+                    </a:p>
+                  </a:txBody>
+                  <a:tcPr/>
+                </a:tc>
+                <a:tc>
+                  <a:txBody>
+                    <a:bodyPr/>
+                    <a:lstStyle/>
+                    <a:p>
+                      <a:pPr marL="0" marR="0" lvl="0" indent="0" algn="ctr" defTabSz="914400" rtl="0" eaLnBrk="1" fontAlgn="auto" latinLnBrk="0" hangingPunct="1">
+                        <a:lnSpc>
+                          <a:spcPct val="100000"/>
+                        </a:lnSpc>
+                        <a:spcBef>
+                          <a:spcPts val="0"/>
+                        </a:spcBef>
+                        <a:spcAft>
+                          <a:spcPts val="0"/>
+                        </a:spcAft>
+                        <a:buClrTx/>
+                        <a:buSzTx/>
+                        <a:buFontTx/>
+                        <a:buNone/>
+                        <a:tabLst/>
+                        <a:defRPr/>
+                      </a:pPr>
+                      <a:r>
+                        <a:rPr lang="el-GR" dirty="0"/>
+                        <a:t>θ</a:t>
+                      </a:r>
+                      <a:r>
+                        <a:rPr lang="en-US" dirty="0"/>
+                        <a:t>2</a:t>
+                      </a:r>
+                    </a:p>
+                  </a:txBody>
+                  <a:tcPr/>
+                </a:tc>
+                <a:extLst>
+                  <a:ext uri="{0D108BD9-81ED-4DB2-BD59-A6C34878D82A}">
+                    <a16:rowId xmlns:a16="http://schemas.microsoft.com/office/drawing/2014/main" val="1850090724"/>
+                  </a:ext>
+                </a:extLst>
+              </a:tr>
+              <a:tr h="370840">
+                <a:tc>
+                  <a:txBody>
+                    <a:bodyPr/>
+                    <a:lstStyle/>
+                    <a:p>
+                      <a:pPr algn="ctr"/>
+                      <a:r>
+                        <a:rPr lang="en-US" dirty="0"/>
+                        <a:t>0</a:t>
+                      </a:r>
+                    </a:p>
+                  </a:txBody>
+                  <a:tcPr/>
+                </a:tc>
+                <a:tc>
+                  <a:txBody>
+                    <a:bodyPr/>
+                    <a:lstStyle/>
+                    <a:p>
+                      <a:pPr algn="ctr"/>
+                      <a:r>
+                        <a:rPr lang="en-US" dirty="0"/>
+                        <a:t>105 mm</a:t>
+                      </a:r>
+                    </a:p>
+                  </a:txBody>
+                  <a:tcPr/>
+                </a:tc>
+                <a:tc>
+                  <a:txBody>
+                    <a:bodyPr/>
+                    <a:lstStyle/>
+                    <a:p>
+                      <a:pPr algn="ctr"/>
+                      <a:r>
+                        <a:rPr lang="en-US" dirty="0"/>
+                        <a:t>0</a:t>
+                      </a:r>
+                    </a:p>
+                  </a:txBody>
+                  <a:tcPr/>
+                </a:tc>
+                <a:tc>
+                  <a:txBody>
+                    <a:bodyPr/>
+                    <a:lstStyle/>
+                    <a:p>
+                      <a:pPr marL="0" marR="0" lvl="0" indent="0" algn="ctr" defTabSz="914400" rtl="0" eaLnBrk="1" fontAlgn="auto" latinLnBrk="0" hangingPunct="1">
+                        <a:lnSpc>
+                          <a:spcPct val="100000"/>
+                        </a:lnSpc>
+                        <a:spcBef>
+                          <a:spcPts val="0"/>
+                        </a:spcBef>
+                        <a:spcAft>
+                          <a:spcPts val="0"/>
+                        </a:spcAft>
+                        <a:buClrTx/>
+                        <a:buSzTx/>
+                        <a:buFontTx/>
+                        <a:buNone/>
+                        <a:tabLst/>
+                        <a:defRPr/>
+                      </a:pPr>
+                      <a:r>
+                        <a:rPr lang="el-GR" dirty="0"/>
+                        <a:t>θ</a:t>
+                      </a:r>
+                      <a:r>
+                        <a:rPr lang="en-US" dirty="0"/>
+                        <a:t>3</a:t>
+                      </a:r>
+                    </a:p>
+                  </a:txBody>
+                  <a:tcPr/>
+                </a:tc>
+                <a:extLst>
+                  <a:ext uri="{0D108BD9-81ED-4DB2-BD59-A6C34878D82A}">
+                    <a16:rowId xmlns:a16="http://schemas.microsoft.com/office/drawing/2014/main" val="3025833095"/>
+                  </a:ext>
+                </a:extLst>
+              </a:tr>
+              <a:tr h="370840">
+                <a:tc>
+                  <a:txBody>
+                    <a:bodyPr/>
+                    <a:lstStyle/>
+                    <a:p>
+                      <a:pPr algn="ctr"/>
+                      <a:r>
+                        <a:rPr lang="en-US" dirty="0"/>
+                        <a:t>0</a:t>
+                      </a:r>
+                    </a:p>
+                  </a:txBody>
+                  <a:tcPr/>
+                </a:tc>
+                <a:tc>
+                  <a:txBody>
+                    <a:bodyPr/>
+                    <a:lstStyle/>
+                    <a:p>
+                      <a:pPr algn="ctr"/>
+                      <a:r>
+                        <a:rPr lang="en-US" dirty="0"/>
+                        <a:t>90 mm</a:t>
+                      </a:r>
+                    </a:p>
+                  </a:txBody>
+                  <a:tcPr/>
+                </a:tc>
+                <a:tc>
+                  <a:txBody>
+                    <a:bodyPr/>
+                    <a:lstStyle/>
+                    <a:p>
+                      <a:pPr algn="ctr"/>
+                      <a:r>
+                        <a:rPr lang="en-US" dirty="0"/>
+                        <a:t>0</a:t>
+                      </a:r>
+                    </a:p>
+                  </a:txBody>
+                  <a:tcPr/>
+                </a:tc>
+                <a:tc>
+                  <a:txBody>
+                    <a:bodyPr/>
+                    <a:lstStyle/>
+                    <a:p>
+                      <a:pPr marL="0" marR="0" lvl="0" indent="0" algn="ctr" defTabSz="914400" rtl="0" eaLnBrk="1" fontAlgn="auto" latinLnBrk="0" hangingPunct="1">
+                        <a:lnSpc>
+                          <a:spcPct val="100000"/>
+                        </a:lnSpc>
+                        <a:spcBef>
+                          <a:spcPts val="0"/>
+                        </a:spcBef>
+                        <a:spcAft>
+                          <a:spcPts val="0"/>
+                        </a:spcAft>
+                        <a:buClrTx/>
+                        <a:buSzTx/>
+                        <a:buFontTx/>
+                        <a:buNone/>
+                        <a:tabLst/>
+                        <a:defRPr/>
+                      </a:pPr>
+                      <a:r>
+                        <a:rPr lang="el-GR" dirty="0"/>
+                        <a:t>θ</a:t>
+                      </a:r>
+                      <a:r>
+                        <a:rPr lang="en-US" dirty="0"/>
+                        <a:t>4</a:t>
+                      </a:r>
+                    </a:p>
+                  </a:txBody>
+                  <a:tcPr/>
+                </a:tc>
+                <a:extLst>
+                  <a:ext uri="{0D108BD9-81ED-4DB2-BD59-A6C34878D82A}">
+                    <a16:rowId xmlns:a16="http://schemas.microsoft.com/office/drawing/2014/main" val="3885612123"/>
+                  </a:ext>
+                </a:extLst>
+              </a:tr>
+              <a:tr h="370840">
+                <a:tc>
+                  <a:txBody>
+                    <a:bodyPr/>
+                    <a:lstStyle/>
+                    <a:p>
+                      <a:pPr algn="ctr"/>
+                      <a:r>
+                        <a:rPr lang="en-US" dirty="0"/>
+                        <a:t>0</a:t>
+                      </a:r>
+                    </a:p>
+                  </a:txBody>
+                  <a:tcPr/>
+                </a:tc>
+                <a:tc>
+                  <a:txBody>
+                    <a:bodyPr/>
+                    <a:lstStyle/>
+                    <a:p>
+                      <a:pPr algn="ctr"/>
+                      <a:r>
+                        <a:rPr lang="en-US" dirty="0"/>
+                        <a:t>70 mm</a:t>
+                      </a:r>
+                    </a:p>
+                  </a:txBody>
+                  <a:tcPr/>
+                </a:tc>
+                <a:tc>
+                  <a:txBody>
+                    <a:bodyPr/>
+                    <a:lstStyle/>
+                    <a:p>
+                      <a:pPr algn="ctr"/>
+                      <a:r>
+                        <a:rPr lang="en-US" dirty="0"/>
+                        <a:t>0</a:t>
+                      </a:r>
+                    </a:p>
+                  </a:txBody>
+                  <a:tcPr/>
+                </a:tc>
+                <a:tc>
+                  <a:txBody>
+                    <a:bodyPr/>
+                    <a:lstStyle/>
+                    <a:p>
+                      <a:pPr algn="ctr"/>
+                      <a:r>
+                        <a:rPr lang="en-US" dirty="0"/>
+                        <a:t>0</a:t>
+                      </a:r>
+                    </a:p>
+                  </a:txBody>
+                  <a:tcPr/>
+                </a:tc>
+                <a:extLst>
+                  <a:ext uri="{0D108BD9-81ED-4DB2-BD59-A6C34878D82A}">
+                    <a16:rowId xmlns:a16="http://schemas.microsoft.com/office/drawing/2014/main" val="2401682285"/>
+                  </a:ext>
+                </a:extLst>
+              </a:tr>
+            </a:tbl>
+          </a:graphicData>
+        </a:graphic>
+      </p:graphicFrame>
+      <p:sp>
+        <p:nvSpPr>
+          <p:cNvPr id="2" name="TextBox 1">
+            <a:extLst>
+              <a:ext uri="{FF2B5EF4-FFF2-40B4-BE49-F238E27FC236}">
+                <a16:creationId xmlns:a16="http://schemas.microsoft.com/office/drawing/2014/main" id="{91B42E2D-5415-C3AC-9D6C-3C6CD4FDD553}"/>
+              </a:ext>
+            </a:extLst>
+          </p:cNvPr>
+          <p:cNvSpPr txBox="1"/>
+          <p:nvPr/>
+        </p:nvSpPr>
+        <p:spPr>
+          <a:xfrm>
+            <a:off x="9598047" y="901788"/>
+            <a:ext cx="1868109" cy="369332"/>
+          </a:xfrm>
+          <a:prstGeom prst="rect">
+            <a:avLst/>
+          </a:prstGeom>
+          <a:noFill/>
+        </p:spPr>
+        <p:txBody>
+          <a:bodyPr wrap="square" rtlCol="0">
+            <a:spAutoFit/>
+          </a:bodyPr>
+          <a:lstStyle/>
+          <a:p>
+            <a:r>
+              <a:rPr lang="en-US" dirty="0"/>
+              <a:t>New design</a:t>
+            </a:r>
+          </a:p>
+        </p:txBody>
+      </p:sp>
+    </p:spTree>
+    <p:extLst>
+      <p:ext uri="{BB962C8B-B14F-4D97-AF65-F5344CB8AC3E}">
+        <p14:creationId xmlns:p14="http://schemas.microsoft.com/office/powerpoint/2010/main" val="786672469"/>
+      </p:ext>
+    </p:extLst>
+  </p:cSld>
+  <p:clrMapOvr>
+    <a:masterClrMapping/>
+  </p:clrMapOvr>
+</p:sld>
+</file>
+
+<file path=ppt/slides/slide5.xml><?xml version="1.0" encoding="utf-8"?>
+<p:sld xmlns:a="http://schemas.openxmlformats.org/drawingml/2006/main" xmlns:r="http://schemas.openxmlformats.org/officeDocument/2006/relationships" xmlns:p="http://schemas.openxmlformats.org/presentationml/2006/main">
+  <p:cSld>
+    <p:spTree>
+      <p:nvGrpSpPr>
         <p:cNvPr id="1" name=""/>
         <p:cNvGrpSpPr/>
         <p:nvPr/>
@@ -6422,8 +8970,8 @@
           <a:chExt cx="0" cy="0"/>
         </a:xfrm>
       </p:grpSpPr>
-      <mc:AlternateContent xmlns:mc="http://schemas.openxmlformats.org/markup-compatibility/2006">
-        <mc:Choice xmlns:a14="http://schemas.microsoft.com/office/drawing/2010/main" Requires="a14">
+      <mc:AlternateContent xmlns:mc="http://schemas.openxmlformats.org/markup-compatibility/2006" xmlns:a14="http://schemas.microsoft.com/office/drawing/2010/main">
+        <mc:Choice Requires="a14">
           <p:sp>
             <p:nvSpPr>
               <p:cNvPr id="3" name="TextBox 2">
@@ -7914,7 +10462,7 @@
             </p:txBody>
           </p:sp>
         </mc:Choice>
-        <mc:Fallback>
+        <mc:Fallback xmlns="">
           <p:sp>
             <p:nvSpPr>
               <p:cNvPr id="3" name="TextBox 2">
